--- a/Presentation/Adaptive retail.pptx
+++ b/Presentation/Adaptive retail.pptx
@@ -5,19 +5,18 @@
     <p:sldMasterId id="2147483648" r:id="rId1"/>
   </p:sldMasterIdLst>
   <p:notesMasterIdLst>
-    <p:notesMasterId r:id="rId12"/>
+    <p:notesMasterId r:id="rId11"/>
   </p:notesMasterIdLst>
   <p:sldIdLst>
     <p:sldId id="256" r:id="rId2"/>
     <p:sldId id="267" r:id="rId3"/>
-    <p:sldId id="268" r:id="rId4"/>
-    <p:sldId id="266" r:id="rId5"/>
-    <p:sldId id="259" r:id="rId6"/>
-    <p:sldId id="263" r:id="rId7"/>
-    <p:sldId id="260" r:id="rId8"/>
-    <p:sldId id="264" r:id="rId9"/>
-    <p:sldId id="261" r:id="rId10"/>
-    <p:sldId id="265" r:id="rId11"/>
+    <p:sldId id="270" r:id="rId4"/>
+    <p:sldId id="259" r:id="rId5"/>
+    <p:sldId id="263" r:id="rId6"/>
+    <p:sldId id="260" r:id="rId7"/>
+    <p:sldId id="264" r:id="rId8"/>
+    <p:sldId id="261" r:id="rId9"/>
+    <p:sldId id="265" r:id="rId10"/>
   </p:sldIdLst>
   <p:sldSz cx="12192000" cy="6858000"/>
   <p:notesSz cx="6858000" cy="9144000"/>
@@ -116,6 +115,11 @@
       </a:defRPr>
     </a:lvl9pPr>
   </p:defaultTextStyle>
+  <p:extLst>
+    <p:ext uri="{EFAFB233-063F-42B5-8137-9DF3F51BA10A}">
+      <p15:sldGuideLst xmlns:p15="http://schemas.microsoft.com/office/powerpoint/2012/main"/>
+    </p:ext>
+  </p:extLst>
 </p:presentation>
 </file>
 
@@ -554,7 +558,7 @@
           <a:p>
             <a:fld id="{E8EE746C-C4AA-4E85-B78A-137BF2A5F85F}" type="datetimeFigureOut">
               <a:rPr lang="en-US" smtClean="0"/>
-              <a:t>10/27/2018</a:t>
+              <a:t>10/28/2018</a:t>
             </a:fld>
             <a:endParaRPr lang="en-US"/>
           </a:p>
@@ -905,90 +909,6 @@
 </p:notes>
 </file>
 
-<file path=ppt/notesSlides/notesSlide10.xml><?xml version="1.0" encoding="utf-8"?>
-<p:notes xmlns:a="http://schemas.openxmlformats.org/drawingml/2006/main" xmlns:r="http://schemas.openxmlformats.org/officeDocument/2006/relationships" xmlns:p="http://schemas.openxmlformats.org/presentationml/2006/main">
-  <p:cSld>
-    <p:spTree>
-      <p:nvGrpSpPr>
-        <p:cNvPr id="1" name=""/>
-        <p:cNvGrpSpPr/>
-        <p:nvPr/>
-      </p:nvGrpSpPr>
-      <p:grpSpPr>
-        <a:xfrm>
-          <a:off x="0" y="0"/>
-          <a:ext cx="0" cy="0"/>
-          <a:chOff x="0" y="0"/>
-          <a:chExt cx="0" cy="0"/>
-        </a:xfrm>
-      </p:grpSpPr>
-      <p:sp>
-        <p:nvSpPr>
-          <p:cNvPr id="2" name="Slide Image Placeholder 1"/>
-          <p:cNvSpPr>
-            <a:spLocks noGrp="1" noRot="1" noChangeAspect="1"/>
-          </p:cNvSpPr>
-          <p:nvPr>
-            <p:ph type="sldImg"/>
-          </p:nvPr>
-        </p:nvSpPr>
-        <p:spPr/>
-      </p:sp>
-      <p:sp>
-        <p:nvSpPr>
-          <p:cNvPr id="3" name="Notes Placeholder 2"/>
-          <p:cNvSpPr>
-            <a:spLocks noGrp="1"/>
-          </p:cNvSpPr>
-          <p:nvPr>
-            <p:ph type="body" idx="1"/>
-          </p:nvPr>
-        </p:nvSpPr>
-        <p:spPr/>
-        <p:txBody>
-          <a:bodyPr/>
-          <a:lstStyle/>
-          <a:p>
-            <a:endParaRPr lang="en-US" dirty="0"/>
-          </a:p>
-        </p:txBody>
-      </p:sp>
-      <p:sp>
-        <p:nvSpPr>
-          <p:cNvPr id="4" name="Slide Number Placeholder 3"/>
-          <p:cNvSpPr>
-            <a:spLocks noGrp="1"/>
-          </p:cNvSpPr>
-          <p:nvPr>
-            <p:ph type="sldNum" sz="quarter" idx="5"/>
-          </p:nvPr>
-        </p:nvSpPr>
-        <p:spPr/>
-        <p:txBody>
-          <a:bodyPr/>
-          <a:lstStyle/>
-          <a:p>
-            <a:fld id="{C1EF3AC5-53DC-4BB0-9DE4-8F5B2A542711}" type="slidenum">
-              <a:rPr lang="en-US" smtClean="0"/>
-              <a:t>10</a:t>
-            </a:fld>
-            <a:endParaRPr lang="en-US"/>
-          </a:p>
-        </p:txBody>
-      </p:sp>
-    </p:spTree>
-    <p:extLst>
-      <p:ext uri="{BB962C8B-B14F-4D97-AF65-F5344CB8AC3E}">
-        <p14:creationId xmlns:p14="http://schemas.microsoft.com/office/powerpoint/2010/main" val="4205488140"/>
-      </p:ext>
-    </p:extLst>
-  </p:cSld>
-  <p:clrMapOvr>
-    <a:masterClrMapping/>
-  </p:clrMapOvr>
-</p:notes>
-</file>
-
 <file path=ppt/notesSlides/notesSlide2.xml><?xml version="1.0" encoding="utf-8"?>
 <p:notes xmlns:a="http://schemas.openxmlformats.org/drawingml/2006/main" xmlns:r="http://schemas.openxmlformats.org/officeDocument/2006/relationships" xmlns:p="http://schemas.openxmlformats.org/presentationml/2006/main">
   <p:cSld>
@@ -1191,6 +1111,84 @@
           <a:bodyPr/>
           <a:lstStyle/>
           <a:p>
+            <a:r>
+              <a:rPr lang="en-US" dirty="0"/>
+              <a:t>Adaptive instead of reactive</a:t>
+            </a:r>
+          </a:p>
+          <a:p>
+            <a:r>
+              <a:rPr lang="en-US" dirty="0"/>
+              <a:t>Based on data gathered on customers:</a:t>
+            </a:r>
+          </a:p>
+          <a:p>
+            <a:pPr lvl="1"/>
+            <a:r>
+              <a:rPr lang="en-US" dirty="0"/>
+              <a:t>Customer counting (gates)</a:t>
+            </a:r>
+          </a:p>
+          <a:p>
+            <a:pPr lvl="1"/>
+            <a:r>
+              <a:rPr lang="en-US" dirty="0"/>
+              <a:t>Customer position (video)</a:t>
+            </a:r>
+          </a:p>
+          <a:p>
+            <a:pPr lvl="1"/>
+            <a:r>
+              <a:rPr lang="en-US" dirty="0"/>
+              <a:t>Moving speed (video)</a:t>
+            </a:r>
+          </a:p>
+          <a:p>
+            <a:pPr lvl="1"/>
+            <a:r>
+              <a:rPr lang="en-US" dirty="0"/>
+              <a:t>Customer recognition (video, phones)</a:t>
+            </a:r>
+          </a:p>
+          <a:p>
+            <a:pPr lvl="1"/>
+            <a:r>
+              <a:rPr lang="en-US" dirty="0"/>
+              <a:t>Customer mood (video)</a:t>
+            </a:r>
+          </a:p>
+          <a:p>
+            <a:r>
+              <a:rPr lang="en-US" dirty="0"/>
+              <a:t>Use q-learning to generate signals</a:t>
+            </a:r>
+          </a:p>
+          <a:p>
+            <a:pPr lvl="1"/>
+            <a:r>
+              <a:rPr lang="en-US" dirty="0"/>
+              <a:t>Points for working on the warehouse and points for short queue</a:t>
+            </a:r>
+          </a:p>
+          <a:p>
+            <a:endParaRPr lang="en-US" dirty="0"/>
+          </a:p>
+          <a:p>
+            <a:r>
+              <a:rPr lang="en-US" dirty="0"/>
+              <a:t>- Queue lines are long due to a high cost of staff, which needs to multitask. Queue optimization an waiting time decrease can improve customer retention: according to study performed by 77% of shoppers are less likely to return to a store where they experienced long checkout lines and 19% of shoppers walk away, if the waiting line has more than 5 people in it.</a:t>
+            </a:r>
+          </a:p>
+          <a:p>
+            <a:endParaRPr lang="en-US" dirty="0"/>
+          </a:p>
+          <a:p>
+            <a:r>
+              <a:rPr lang="en-US" dirty="0"/>
+              <a:t>We could use q-learning to calculate a chance that the customers will queue at the counter in advance</a:t>
+            </a:r>
+          </a:p>
+          <a:p>
             <a:endParaRPr lang="en-US" dirty="0"/>
           </a:p>
         </p:txBody>
@@ -1212,7 +1210,7 @@
           <a:p>
             <a:fld id="{C1EF3AC5-53DC-4BB0-9DE4-8F5B2A542711}" type="slidenum">
               <a:rPr lang="en-US" smtClean="0"/>
-              <a:t>3</a:t>
+              <a:t>4</a:t>
             </a:fld>
             <a:endParaRPr lang="en-US"/>
           </a:p>
@@ -1221,7 +1219,7 @@
     </p:spTree>
     <p:extLst>
       <p:ext uri="{BB962C8B-B14F-4D97-AF65-F5344CB8AC3E}">
-        <p14:creationId xmlns:p14="http://schemas.microsoft.com/office/powerpoint/2010/main" val="2380939346"/>
+        <p14:creationId xmlns:p14="http://schemas.microsoft.com/office/powerpoint/2010/main" val="3507913280"/>
       </p:ext>
     </p:extLst>
   </p:cSld>
@@ -1276,8 +1274,12 @@
           <a:lstStyle/>
           <a:p>
             <a:r>
+              <a:rPr lang="en-US" dirty="0" err="1"/>
+              <a:t>Visualisation</a:t>
+            </a:r>
+            <a:r>
               <a:rPr lang="en-US" dirty="0"/>
-              <a:t>A demo on how we extract movement information from the milestone video feed</a:t>
+              <a:t> of customer moving patterns	</a:t>
             </a:r>
           </a:p>
         </p:txBody>
@@ -1299,7 +1301,7 @@
           <a:p>
             <a:fld id="{C1EF3AC5-53DC-4BB0-9DE4-8F5B2A542711}" type="slidenum">
               <a:rPr lang="en-US" smtClean="0"/>
-              <a:t>4</a:t>
+              <a:t>5</a:t>
             </a:fld>
             <a:endParaRPr lang="en-US"/>
           </a:p>
@@ -1308,7 +1310,7 @@
     </p:spTree>
     <p:extLst>
       <p:ext uri="{BB962C8B-B14F-4D97-AF65-F5344CB8AC3E}">
-        <p14:creationId xmlns:p14="http://schemas.microsoft.com/office/powerpoint/2010/main" val="3670187342"/>
+        <p14:creationId xmlns:p14="http://schemas.microsoft.com/office/powerpoint/2010/main" val="3443336038"/>
       </p:ext>
     </p:extLst>
   </p:cSld>
@@ -1362,9 +1364,26 @@
           <a:bodyPr/>
           <a:lstStyle/>
           <a:p>
+            <a:pPr marL="0" marR="0" lvl="0" indent="0" algn="l" defTabSz="914400" rtl="0" eaLnBrk="1" fontAlgn="auto" latinLnBrk="0" hangingPunct="1">
+              <a:lnSpc>
+                <a:spcPct val="100000"/>
+              </a:lnSpc>
+              <a:spcBef>
+                <a:spcPts val="0"/>
+              </a:spcBef>
+              <a:spcAft>
+                <a:spcPts val="0"/>
+              </a:spcAft>
+              <a:buClrTx/>
+              <a:buSzTx/>
+              <a:buFontTx/>
+              <a:buNone/>
+              <a:tabLst/>
+              <a:defRPr/>
+            </a:pPr>
             <a:r>
               <a:rPr lang="en-US" dirty="0"/>
-              <a:t>- Queue lines are long due to a high cost of staff, which needs to multitask. Queue optimization an waiting time decrease can improve customer retention: according to study performed by 77% of shoppers are less likely to return to a store where they experienced long checkout lines and 19% of shoppers walk away, if the waiting line has more than 5 people in it.</a:t>
+              <a:t>Shopping suggestions based on purchase history,</a:t>
             </a:r>
           </a:p>
           <a:p>
@@ -1373,8 +1392,127 @@
           <a:p>
             <a:r>
               <a:rPr lang="en-US" dirty="0"/>
-              <a:t>We could use q-learning to calculate a chance that the customers will queue at the counter in advance</a:t>
-            </a:r>
+              <a:t>Sequential learning</a:t>
+            </a:r>
+          </a:p>
+          <a:p>
+            <a:endParaRPr lang="en-US" dirty="0"/>
+          </a:p>
+          <a:p>
+            <a:r>
+              <a:rPr lang="en-US" dirty="0"/>
+              <a:t>We plan to improve: value proposition (performance) and aim for better customer relationship.</a:t>
+            </a:r>
+          </a:p>
+          <a:p>
+            <a:endParaRPr lang="en-US" dirty="0"/>
+          </a:p>
+          <a:p>
+            <a:r>
+              <a:rPr lang="en-US" dirty="0"/>
+              <a:t>Possibility of dynamic pricing based on customer activity	</a:t>
+            </a:r>
+          </a:p>
+          <a:p>
+            <a:endParaRPr lang="en-US" dirty="0"/>
+          </a:p>
+          <a:p>
+            <a:pPr marL="285750" indent="-285750">
+              <a:buFont typeface="Arial" panose="020B0604020202020204" pitchFamily="34" charset="0"/>
+              <a:buChar char="•"/>
+            </a:pPr>
+            <a:r>
+              <a:rPr lang="en-US" dirty="0"/>
+              <a:t>Shopping suggestions based on purchase history,</a:t>
+            </a:r>
+          </a:p>
+          <a:p>
+            <a:pPr marL="285750" indent="-285750">
+              <a:buFont typeface="Arial" panose="020B0604020202020204" pitchFamily="34" charset="0"/>
+              <a:buChar char="•"/>
+            </a:pPr>
+            <a:r>
+              <a:rPr lang="en-US" dirty="0"/>
+              <a:t>Incentivize with discounts to target their specific </a:t>
+            </a:r>
+            <a:r>
+              <a:rPr lang="en-US" b="1" dirty="0"/>
+              <a:t>Demographics and Psychographics </a:t>
+            </a:r>
+            <a:endParaRPr lang="en-US" dirty="0"/>
+          </a:p>
+          <a:p>
+            <a:pPr marL="285750" indent="-285750">
+              <a:buFont typeface="Arial" panose="020B0604020202020204" pitchFamily="34" charset="0"/>
+              <a:buChar char="•"/>
+            </a:pPr>
+            <a:r>
+              <a:rPr lang="en-US" dirty="0"/>
+              <a:t>Adaptive pricing and special offers to introduce to other product ranges</a:t>
+            </a:r>
+          </a:p>
+          <a:p>
+            <a:pPr marL="285750" indent="-285750">
+              <a:buFont typeface="Arial" panose="020B0604020202020204" pitchFamily="34" charset="0"/>
+              <a:buChar char="•"/>
+            </a:pPr>
+            <a:r>
+              <a:rPr lang="en-US" dirty="0"/>
+              <a:t>Chance of providing feedback on the suggestions</a:t>
+            </a:r>
+          </a:p>
+          <a:p>
+            <a:endParaRPr lang="en-US" dirty="0"/>
+          </a:p>
+          <a:p>
+            <a:r>
+              <a:rPr lang="en-US" dirty="0"/>
+              <a:t>Techniques to use:</a:t>
+            </a:r>
+          </a:p>
+          <a:p>
+            <a:pPr marL="285750" indent="-285750">
+              <a:buFont typeface="Arial" panose="020B0604020202020204" pitchFamily="34" charset="0"/>
+              <a:buChar char="•"/>
+            </a:pPr>
+            <a:r>
+              <a:rPr lang="en-US" dirty="0"/>
+              <a:t>Sequential pattern mining</a:t>
+            </a:r>
+          </a:p>
+          <a:p>
+            <a:pPr marL="285750" indent="-285750">
+              <a:buFont typeface="Arial" panose="020B0604020202020204" pitchFamily="34" charset="0"/>
+              <a:buChar char="•"/>
+            </a:pPr>
+            <a:r>
+              <a:rPr lang="en-US" dirty="0"/>
+              <a:t>Reinforced learning</a:t>
+            </a:r>
+          </a:p>
+          <a:p>
+            <a:endParaRPr lang="en-US" dirty="0"/>
+          </a:p>
+          <a:p>
+            <a:endParaRPr lang="en-US" dirty="0"/>
+          </a:p>
+          <a:p>
+            <a:endParaRPr lang="en-US" dirty="0"/>
+          </a:p>
+          <a:p>
+            <a:endParaRPr lang="en-US" dirty="0"/>
+          </a:p>
+          <a:p>
+            <a:endParaRPr lang="en-US" dirty="0"/>
+          </a:p>
+          <a:p>
+            <a:endParaRPr lang="en-US" dirty="0"/>
+          </a:p>
+          <a:p>
+            <a:endParaRPr lang="en-US" dirty="0"/>
+          </a:p>
+          <a:p>
+            <a:endParaRPr lang="en-US" dirty="0"/>
           </a:p>
           <a:p>
             <a:endParaRPr lang="en-US" dirty="0"/>
@@ -1398,7 +1536,7 @@
           <a:p>
             <a:fld id="{C1EF3AC5-53DC-4BB0-9DE4-8F5B2A542711}" type="slidenum">
               <a:rPr lang="en-US" smtClean="0"/>
-              <a:t>5</a:t>
+              <a:t>6</a:t>
             </a:fld>
             <a:endParaRPr lang="en-US"/>
           </a:p>
@@ -1407,7 +1545,7 @@
     </p:spTree>
     <p:extLst>
       <p:ext uri="{BB962C8B-B14F-4D97-AF65-F5344CB8AC3E}">
-        <p14:creationId xmlns:p14="http://schemas.microsoft.com/office/powerpoint/2010/main" val="3507913280"/>
+        <p14:creationId xmlns:p14="http://schemas.microsoft.com/office/powerpoint/2010/main" val="3148090365"/>
       </p:ext>
     </p:extLst>
   </p:cSld>
@@ -1462,12 +1600,8 @@
           <a:lstStyle/>
           <a:p>
             <a:r>
-              <a:rPr lang="en-US" dirty="0" err="1"/>
-              <a:t>Visualisation</a:t>
-            </a:r>
-            <a:r>
               <a:rPr lang="en-US" dirty="0"/>
-              <a:t> of customer moving patterns	</a:t>
+              <a:t>Demo android app</a:t>
             </a:r>
           </a:p>
         </p:txBody>
@@ -1489,7 +1623,7 @@
           <a:p>
             <a:fld id="{C1EF3AC5-53DC-4BB0-9DE4-8F5B2A542711}" type="slidenum">
               <a:rPr lang="en-US" smtClean="0"/>
-              <a:t>6</a:t>
+              <a:t>7</a:t>
             </a:fld>
             <a:endParaRPr lang="en-US"/>
           </a:p>
@@ -1498,7 +1632,7 @@
     </p:spTree>
     <p:extLst>
       <p:ext uri="{BB962C8B-B14F-4D97-AF65-F5344CB8AC3E}">
-        <p14:creationId xmlns:p14="http://schemas.microsoft.com/office/powerpoint/2010/main" val="3443336038"/>
+        <p14:creationId xmlns:p14="http://schemas.microsoft.com/office/powerpoint/2010/main" val="116089160"/>
       </p:ext>
     </p:extLst>
   </p:cSld>
@@ -1552,80 +1686,6 @@
           <a:bodyPr/>
           <a:lstStyle/>
           <a:p>
-            <a:pPr marL="0" marR="0" lvl="0" indent="0" algn="l" defTabSz="914400" rtl="0" eaLnBrk="1" fontAlgn="auto" latinLnBrk="0" hangingPunct="1">
-              <a:lnSpc>
-                <a:spcPct val="100000"/>
-              </a:lnSpc>
-              <a:spcBef>
-                <a:spcPts val="0"/>
-              </a:spcBef>
-              <a:spcAft>
-                <a:spcPts val="0"/>
-              </a:spcAft>
-              <a:buClrTx/>
-              <a:buSzTx/>
-              <a:buFontTx/>
-              <a:buNone/>
-              <a:tabLst/>
-              <a:defRPr/>
-            </a:pPr>
-            <a:r>
-              <a:rPr lang="en-US" dirty="0"/>
-              <a:t>Shopping suggestions based on purchase history,</a:t>
-            </a:r>
-          </a:p>
-          <a:p>
-            <a:endParaRPr lang="en-US" dirty="0"/>
-          </a:p>
-          <a:p>
-            <a:r>
-              <a:rPr lang="en-US" dirty="0"/>
-              <a:t>Sequential learning</a:t>
-            </a:r>
-          </a:p>
-          <a:p>
-            <a:endParaRPr lang="en-US" dirty="0"/>
-          </a:p>
-          <a:p>
-            <a:r>
-              <a:rPr lang="en-US" dirty="0"/>
-              <a:t>We plan to improve: value proposition (performance) and aim for better customer relationship.</a:t>
-            </a:r>
-          </a:p>
-          <a:p>
-            <a:endParaRPr lang="en-US" dirty="0"/>
-          </a:p>
-          <a:p>
-            <a:r>
-              <a:rPr lang="en-US" dirty="0"/>
-              <a:t>Possibility of dynamic pricing based on customer activity	</a:t>
-            </a:r>
-          </a:p>
-          <a:p>
-            <a:endParaRPr lang="en-US" dirty="0"/>
-          </a:p>
-          <a:p>
-            <a:endParaRPr lang="en-US" dirty="0"/>
-          </a:p>
-          <a:p>
-            <a:endParaRPr lang="en-US" dirty="0"/>
-          </a:p>
-          <a:p>
-            <a:endParaRPr lang="en-US" dirty="0"/>
-          </a:p>
-          <a:p>
-            <a:endParaRPr lang="en-US" dirty="0"/>
-          </a:p>
-          <a:p>
-            <a:endParaRPr lang="en-US" dirty="0"/>
-          </a:p>
-          <a:p>
-            <a:endParaRPr lang="en-US" dirty="0"/>
-          </a:p>
-          <a:p>
-            <a:endParaRPr lang="en-US" dirty="0"/>
-          </a:p>
-          <a:p>
             <a:endParaRPr lang="en-US" dirty="0"/>
           </a:p>
         </p:txBody>
@@ -1647,7 +1707,7 @@
           <a:p>
             <a:fld id="{C1EF3AC5-53DC-4BB0-9DE4-8F5B2A542711}" type="slidenum">
               <a:rPr lang="en-US" smtClean="0"/>
-              <a:t>7</a:t>
+              <a:t>8</a:t>
             </a:fld>
             <a:endParaRPr lang="en-US"/>
           </a:p>
@@ -1656,7 +1716,7 @@
     </p:spTree>
     <p:extLst>
       <p:ext uri="{BB962C8B-B14F-4D97-AF65-F5344CB8AC3E}">
-        <p14:creationId xmlns:p14="http://schemas.microsoft.com/office/powerpoint/2010/main" val="3148090365"/>
+        <p14:creationId xmlns:p14="http://schemas.microsoft.com/office/powerpoint/2010/main" val="3907781136"/>
       </p:ext>
     </p:extLst>
   </p:cSld>
@@ -1710,93 +1770,6 @@
           <a:bodyPr/>
           <a:lstStyle/>
           <a:p>
-            <a:r>
-              <a:rPr lang="en-US" dirty="0"/>
-              <a:t>Demo android app</a:t>
-            </a:r>
-          </a:p>
-        </p:txBody>
-      </p:sp>
-      <p:sp>
-        <p:nvSpPr>
-          <p:cNvPr id="4" name="Slide Number Placeholder 3"/>
-          <p:cNvSpPr>
-            <a:spLocks noGrp="1"/>
-          </p:cNvSpPr>
-          <p:nvPr>
-            <p:ph type="sldNum" sz="quarter" idx="5"/>
-          </p:nvPr>
-        </p:nvSpPr>
-        <p:spPr/>
-        <p:txBody>
-          <a:bodyPr/>
-          <a:lstStyle/>
-          <a:p>
-            <a:fld id="{C1EF3AC5-53DC-4BB0-9DE4-8F5B2A542711}" type="slidenum">
-              <a:rPr lang="en-US" smtClean="0"/>
-              <a:t>8</a:t>
-            </a:fld>
-            <a:endParaRPr lang="en-US"/>
-          </a:p>
-        </p:txBody>
-      </p:sp>
-    </p:spTree>
-    <p:extLst>
-      <p:ext uri="{BB962C8B-B14F-4D97-AF65-F5344CB8AC3E}">
-        <p14:creationId xmlns:p14="http://schemas.microsoft.com/office/powerpoint/2010/main" val="116089160"/>
-      </p:ext>
-    </p:extLst>
-  </p:cSld>
-  <p:clrMapOvr>
-    <a:masterClrMapping/>
-  </p:clrMapOvr>
-</p:notes>
-</file>
-
-<file path=ppt/notesSlides/notesSlide9.xml><?xml version="1.0" encoding="utf-8"?>
-<p:notes xmlns:a="http://schemas.openxmlformats.org/drawingml/2006/main" xmlns:r="http://schemas.openxmlformats.org/officeDocument/2006/relationships" xmlns:p="http://schemas.openxmlformats.org/presentationml/2006/main">
-  <p:cSld>
-    <p:spTree>
-      <p:nvGrpSpPr>
-        <p:cNvPr id="1" name=""/>
-        <p:cNvGrpSpPr/>
-        <p:nvPr/>
-      </p:nvGrpSpPr>
-      <p:grpSpPr>
-        <a:xfrm>
-          <a:off x="0" y="0"/>
-          <a:ext cx="0" cy="0"/>
-          <a:chOff x="0" y="0"/>
-          <a:chExt cx="0" cy="0"/>
-        </a:xfrm>
-      </p:grpSpPr>
-      <p:sp>
-        <p:nvSpPr>
-          <p:cNvPr id="2" name="Slide Image Placeholder 1"/>
-          <p:cNvSpPr>
-            <a:spLocks noGrp="1" noRot="1" noChangeAspect="1"/>
-          </p:cNvSpPr>
-          <p:nvPr>
-            <p:ph type="sldImg"/>
-          </p:nvPr>
-        </p:nvSpPr>
-        <p:spPr/>
-      </p:sp>
-      <p:sp>
-        <p:nvSpPr>
-          <p:cNvPr id="3" name="Notes Placeholder 2"/>
-          <p:cNvSpPr>
-            <a:spLocks noGrp="1"/>
-          </p:cNvSpPr>
-          <p:nvPr>
-            <p:ph type="body" idx="1"/>
-          </p:nvPr>
-        </p:nvSpPr>
-        <p:spPr/>
-        <p:txBody>
-          <a:bodyPr/>
-          <a:lstStyle/>
-          <a:p>
             <a:endParaRPr lang="en-US" dirty="0"/>
           </a:p>
         </p:txBody>
@@ -1827,7 +1800,7 @@
     </p:spTree>
     <p:extLst>
       <p:ext uri="{BB962C8B-B14F-4D97-AF65-F5344CB8AC3E}">
-        <p14:creationId xmlns:p14="http://schemas.microsoft.com/office/powerpoint/2010/main" val="3907781136"/>
+        <p14:creationId xmlns:p14="http://schemas.microsoft.com/office/powerpoint/2010/main" val="4205488140"/>
       </p:ext>
     </p:extLst>
   </p:cSld>
@@ -2007,7 +1980,7 @@
             <a:fld id="{87DE6118-2437-4B30-8E3C-4D2BE6020583}" type="datetimeFigureOut">
               <a:rPr lang="en-US" dirty="0"/>
               <a:pPr/>
-              <a:t>10/27/2018</a:t>
+              <a:t>10/28/2018</a:t>
             </a:fld>
             <a:endParaRPr lang="en-US" dirty="0"/>
           </a:p>
@@ -2333,7 +2306,7 @@
           <a:p>
             <a:fld id="{87DE6118-2437-4B30-8E3C-4D2BE6020583}" type="datetimeFigureOut">
               <a:rPr lang="en-US" dirty="0"/>
-              <a:t>10/27/2018</a:t>
+              <a:t>10/28/2018</a:t>
             </a:fld>
             <a:endParaRPr lang="en-US" dirty="0"/>
           </a:p>
@@ -2508,7 +2481,7 @@
           <a:p>
             <a:fld id="{87DE6118-2437-4B30-8E3C-4D2BE6020583}" type="datetimeFigureOut">
               <a:rPr lang="en-US" dirty="0"/>
-              <a:t>10/27/2018</a:t>
+              <a:t>10/28/2018</a:t>
             </a:fld>
             <a:endParaRPr lang="en-US" dirty="0"/>
           </a:p>
@@ -2673,7 +2646,7 @@
           <a:p>
             <a:fld id="{87DE6118-2437-4B30-8E3C-4D2BE6020583}" type="datetimeFigureOut">
               <a:rPr lang="en-US" dirty="0"/>
-              <a:t>10/27/2018</a:t>
+              <a:t>10/28/2018</a:t>
             </a:fld>
             <a:endParaRPr lang="en-US" dirty="0"/>
           </a:p>
@@ -2946,7 +2919,7 @@
             <a:fld id="{87DE6118-2437-4B30-8E3C-4D2BE6020583}" type="datetimeFigureOut">
               <a:rPr lang="en-US" dirty="0"/>
               <a:pPr/>
-              <a:t>10/27/2018</a:t>
+              <a:t>10/28/2018</a:t>
             </a:fld>
             <a:endParaRPr lang="en-US" dirty="0"/>
           </a:p>
@@ -3336,7 +3309,7 @@
           <a:p>
             <a:fld id="{87DE6118-2437-4B30-8E3C-4D2BE6020583}" type="datetimeFigureOut">
               <a:rPr lang="en-US" dirty="0"/>
-              <a:t>10/27/2018</a:t>
+              <a:t>10/28/2018</a:t>
             </a:fld>
             <a:endParaRPr lang="en-US" dirty="0"/>
           </a:p>
@@ -3808,7 +3781,7 @@
           <a:p>
             <a:fld id="{87DE6118-2437-4B30-8E3C-4D2BE6020583}" type="datetimeFigureOut">
               <a:rPr lang="en-US" dirty="0"/>
-              <a:t>10/27/2018</a:t>
+              <a:t>10/28/2018</a:t>
             </a:fld>
             <a:endParaRPr lang="en-US" dirty="0"/>
           </a:p>
@@ -3921,7 +3894,7 @@
           <a:p>
             <a:fld id="{87DE6118-2437-4B30-8E3C-4D2BE6020583}" type="datetimeFigureOut">
               <a:rPr lang="en-US" dirty="0"/>
-              <a:t>10/27/2018</a:t>
+              <a:t>10/28/2018</a:t>
             </a:fld>
             <a:endParaRPr lang="en-US" dirty="0"/>
           </a:p>
@@ -4011,7 +3984,7 @@
           <a:p>
             <a:fld id="{87DE6118-2437-4B30-8E3C-4D2BE6020583}" type="datetimeFigureOut">
               <a:rPr lang="en-US" dirty="0"/>
-              <a:t>10/27/2018</a:t>
+              <a:t>10/28/2018</a:t>
             </a:fld>
             <a:endParaRPr lang="en-US" dirty="0"/>
           </a:p>
@@ -4353,7 +4326,7 @@
             <a:fld id="{87DE6118-2437-4B30-8E3C-4D2BE6020583}" type="datetimeFigureOut">
               <a:rPr lang="en-US" dirty="0"/>
               <a:pPr/>
-              <a:t>10/27/2018</a:t>
+              <a:t>10/28/2018</a:t>
             </a:fld>
             <a:endParaRPr lang="en-US" dirty="0"/>
           </a:p>
@@ -4738,7 +4711,7 @@
             <a:fld id="{87DE6118-2437-4B30-8E3C-4D2BE6020583}" type="datetimeFigureOut">
               <a:rPr lang="en-US" dirty="0"/>
               <a:pPr/>
-              <a:t>10/27/2018</a:t>
+              <a:t>10/28/2018</a:t>
             </a:fld>
             <a:endParaRPr lang="en-US" dirty="0"/>
           </a:p>
@@ -5013,7 +4986,7 @@
             <a:fld id="{87DE6118-2437-4B30-8E3C-4D2BE6020583}" type="datetimeFigureOut">
               <a:rPr lang="en-US" dirty="0"/>
               <a:pPr/>
-              <a:t>10/27/2018</a:t>
+              <a:t>10/28/2018</a:t>
             </a:fld>
             <a:endParaRPr lang="en-US" dirty="0"/>
           </a:p>
@@ -5650,66 +5623,6 @@
 </p:sld>
 </file>
 
-<file path=ppt/slides/slide10.xml><?xml version="1.0" encoding="utf-8"?>
-<p:sld xmlns:a="http://schemas.openxmlformats.org/drawingml/2006/main" xmlns:r="http://schemas.openxmlformats.org/officeDocument/2006/relationships" xmlns:p="http://schemas.openxmlformats.org/presentationml/2006/main">
-  <p:cSld>
-    <p:spTree>
-      <p:nvGrpSpPr>
-        <p:cNvPr id="1" name=""/>
-        <p:cNvGrpSpPr/>
-        <p:nvPr/>
-      </p:nvGrpSpPr>
-      <p:grpSpPr>
-        <a:xfrm>
-          <a:off x="0" y="0"/>
-          <a:ext cx="0" cy="0"/>
-          <a:chOff x="0" y="0"/>
-          <a:chExt cx="0" cy="0"/>
-        </a:xfrm>
-      </p:grpSpPr>
-      <p:pic>
-        <p:nvPicPr>
-          <p:cNvPr id="3" name="Picture 2">
-            <a:extLst>
-              <a:ext uri="{FF2B5EF4-FFF2-40B4-BE49-F238E27FC236}">
-                <a16:creationId xmlns:a16="http://schemas.microsoft.com/office/drawing/2014/main" id="{1529CC25-CB49-4B76-A6EE-CE8BDFB096D4}"/>
-              </a:ext>
-            </a:extLst>
-          </p:cNvPr>
-          <p:cNvPicPr>
-            <a:picLocks noChangeAspect="1"/>
-          </p:cNvPicPr>
-          <p:nvPr/>
-        </p:nvPicPr>
-        <p:blipFill>
-          <a:blip r:embed="rId3"/>
-          <a:stretch>
-            <a:fillRect/>
-          </a:stretch>
-        </p:blipFill>
-        <p:spPr>
-          <a:xfrm>
-            <a:off x="0" y="-127000"/>
-            <a:ext cx="12192000" cy="7112000"/>
-          </a:xfrm>
-          <a:prstGeom prst="rect">
-            <a:avLst/>
-          </a:prstGeom>
-        </p:spPr>
-      </p:pic>
-    </p:spTree>
-    <p:extLst>
-      <p:ext uri="{BB962C8B-B14F-4D97-AF65-F5344CB8AC3E}">
-        <p14:creationId xmlns:p14="http://schemas.microsoft.com/office/powerpoint/2010/main" val="4225224060"/>
-      </p:ext>
-    </p:extLst>
-  </p:cSld>
-  <p:clrMapOvr>
-    <a:masterClrMapping/>
-  </p:clrMapOvr>
-</p:sld>
-</file>
-
 <file path=ppt/slides/slide2.xml><?xml version="1.0" encoding="utf-8"?>
 <p:sld xmlns:a="http://schemas.openxmlformats.org/drawingml/2006/main" xmlns:r="http://schemas.openxmlformats.org/officeDocument/2006/relationships" xmlns:p="http://schemas.openxmlformats.org/presentationml/2006/main">
   <p:cSld>
@@ -5951,212 +5864,12 @@
           <a:chExt cx="0" cy="0"/>
         </a:xfrm>
       </p:grpSpPr>
-      <p:sp>
-        <p:nvSpPr>
-          <p:cNvPr id="2" name="Title 1">
+      <p:pic>
+        <p:nvPicPr>
+          <p:cNvPr id="18" name="Picture 17">
             <a:extLst>
               <a:ext uri="{FF2B5EF4-FFF2-40B4-BE49-F238E27FC236}">
-                <a16:creationId xmlns:a16="http://schemas.microsoft.com/office/drawing/2014/main" id="{80A6E3B5-F27D-433B-851E-CEE06799F289}"/>
-              </a:ext>
-            </a:extLst>
-          </p:cNvPr>
-          <p:cNvSpPr>
-            <a:spLocks noGrp="1"/>
-          </p:cNvSpPr>
-          <p:nvPr>
-            <p:ph type="title"/>
-          </p:nvPr>
-        </p:nvSpPr>
-        <p:spPr/>
-        <p:txBody>
-          <a:bodyPr/>
-          <a:lstStyle/>
-          <a:p>
-            <a:r>
-              <a:rPr lang="en-US" dirty="0"/>
-              <a:t>Store is an observable system! </a:t>
-            </a:r>
-          </a:p>
-        </p:txBody>
-      </p:sp>
-      <p:pic>
-        <p:nvPicPr>
-          <p:cNvPr id="11" name="Content Placeholder 10">
-            <a:extLst>
-              <a:ext uri="{FF2B5EF4-FFF2-40B4-BE49-F238E27FC236}">
-                <a16:creationId xmlns:a16="http://schemas.microsoft.com/office/drawing/2014/main" id="{F7DEABDB-2A4C-4732-9E24-93BBE451B01F}"/>
-              </a:ext>
-            </a:extLst>
-          </p:cNvPr>
-          <p:cNvPicPr>
-            <a:picLocks noGrp="1" noChangeAspect="1"/>
-          </p:cNvPicPr>
-          <p:nvPr>
-            <p:ph idx="1"/>
-          </p:nvPr>
-        </p:nvPicPr>
-        <p:blipFill>
-          <a:blip r:embed="rId3"/>
-          <a:stretch>
-            <a:fillRect/>
-          </a:stretch>
-        </p:blipFill>
-        <p:spPr>
-          <a:xfrm>
-            <a:off x="45878" y="2843684"/>
-            <a:ext cx="5211762" cy="2977422"/>
-          </a:xfrm>
-        </p:spPr>
-      </p:pic>
-      <p:sp>
-        <p:nvSpPr>
-          <p:cNvPr id="4" name="Text Placeholder 3">
-            <a:extLst>
-              <a:ext uri="{FF2B5EF4-FFF2-40B4-BE49-F238E27FC236}">
-                <a16:creationId xmlns:a16="http://schemas.microsoft.com/office/drawing/2014/main" id="{265F7CA7-0329-447D-A3D8-B552BDED31FE}"/>
-              </a:ext>
-            </a:extLst>
-          </p:cNvPr>
-          <p:cNvSpPr>
-            <a:spLocks noGrp="1"/>
-          </p:cNvSpPr>
-          <p:nvPr>
-            <p:ph type="body" sz="half" idx="2"/>
-          </p:nvPr>
-        </p:nvSpPr>
-        <p:spPr>
-          <a:xfrm>
-            <a:off x="6271260" y="872603"/>
-            <a:ext cx="3855720" cy="3011056"/>
-          </a:xfrm>
-        </p:spPr>
-        <p:txBody>
-          <a:bodyPr>
-            <a:noAutofit/>
-          </a:bodyPr>
-          <a:lstStyle/>
-          <a:p>
-            <a:pPr marL="285750" indent="-285750">
-              <a:buFont typeface="Arial" panose="020B0604020202020204" pitchFamily="34" charset="0"/>
-              <a:buChar char="•"/>
-            </a:pPr>
-            <a:r>
-              <a:rPr lang="en-US" sz="2400" dirty="0"/>
-              <a:t>No extra hardware needed</a:t>
-            </a:r>
-          </a:p>
-          <a:p>
-            <a:pPr marL="285750" indent="-285750">
-              <a:buFont typeface="Arial" panose="020B0604020202020204" pitchFamily="34" charset="0"/>
-              <a:buChar char="•"/>
-            </a:pPr>
-            <a:r>
-              <a:rPr lang="en-US" sz="2400" dirty="0"/>
-              <a:t>Leveraging knowledge of store layout</a:t>
-            </a:r>
-          </a:p>
-          <a:p>
-            <a:pPr marL="285750" indent="-285750">
-              <a:buFont typeface="Arial" panose="020B0604020202020204" pitchFamily="34" charset="0"/>
-              <a:buChar char="•"/>
-            </a:pPr>
-            <a:r>
-              <a:rPr lang="en-US" sz="2400" dirty="0"/>
-              <a:t>Full coverage already present</a:t>
-            </a:r>
-          </a:p>
-          <a:p>
-            <a:pPr marL="285750" indent="-285750">
-              <a:buFont typeface="Arial" panose="020B0604020202020204" pitchFamily="34" charset="0"/>
-              <a:buChar char="•"/>
-            </a:pPr>
-            <a:r>
-              <a:rPr lang="en-US" sz="2400" dirty="0"/>
-              <a:t>Low resolution enough to distinguish between customers</a:t>
-            </a:r>
-          </a:p>
-          <a:p>
-            <a:pPr marL="285750" indent="-285750">
-              <a:buFont typeface="Arial" panose="020B0604020202020204" pitchFamily="34" charset="0"/>
-              <a:buChar char="•"/>
-            </a:pPr>
-            <a:r>
-              <a:rPr lang="en-US" sz="2400" dirty="0"/>
-              <a:t>Extra correlation possible as opt-in </a:t>
-            </a:r>
-            <a:r>
-              <a:rPr lang="en-US" sz="2400" dirty="0" err="1"/>
-              <a:t>programme</a:t>
-            </a:r>
-            <a:endParaRPr lang="en-US" sz="2400" dirty="0"/>
-          </a:p>
-        </p:txBody>
-      </p:sp>
-      <p:pic>
-        <p:nvPicPr>
-          <p:cNvPr id="5" name="Content Placeholder 16">
-            <a:extLst>
-              <a:ext uri="{FF2B5EF4-FFF2-40B4-BE49-F238E27FC236}">
-                <a16:creationId xmlns:a16="http://schemas.microsoft.com/office/drawing/2014/main" id="{74CC54DA-C463-45F1-9194-6E1DD80CA960}"/>
-              </a:ext>
-            </a:extLst>
-          </p:cNvPr>
-          <p:cNvPicPr>
-            <a:picLocks noGrp="1" noChangeAspect="1"/>
-          </p:cNvPicPr>
-          <p:nvPr>
-            <p:ph sz="half" idx="1"/>
-          </p:nvPr>
-        </p:nvPicPr>
-        <p:blipFill>
-          <a:blip r:embed="rId3"/>
-          <a:stretch>
-            <a:fillRect/>
-          </a:stretch>
-        </p:blipFill>
-        <p:spPr>
-          <a:xfrm>
-            <a:off x="427672" y="2613063"/>
-            <a:ext cx="4448175" cy="2541193"/>
-          </a:xfrm>
-        </p:spPr>
-      </p:pic>
-    </p:spTree>
-    <p:extLst>
-      <p:ext uri="{BB962C8B-B14F-4D97-AF65-F5344CB8AC3E}">
-        <p14:creationId xmlns:p14="http://schemas.microsoft.com/office/powerpoint/2010/main" val="2200136286"/>
-      </p:ext>
-    </p:extLst>
-  </p:cSld>
-  <p:clrMapOvr>
-    <a:masterClrMapping/>
-  </p:clrMapOvr>
-</p:sld>
-</file>
-
-<file path=ppt/slides/slide4.xml><?xml version="1.0" encoding="utf-8"?>
-<p:sld xmlns:a="http://schemas.openxmlformats.org/drawingml/2006/main" xmlns:r="http://schemas.openxmlformats.org/officeDocument/2006/relationships" xmlns:p="http://schemas.openxmlformats.org/presentationml/2006/main">
-  <p:cSld>
-    <p:spTree>
-      <p:nvGrpSpPr>
-        <p:cNvPr id="1" name=""/>
-        <p:cNvGrpSpPr/>
-        <p:nvPr/>
-      </p:nvGrpSpPr>
-      <p:grpSpPr>
-        <a:xfrm>
-          <a:off x="0" y="0"/>
-          <a:ext cx="0" cy="0"/>
-          <a:chOff x="0" y="0"/>
-          <a:chExt cx="0" cy="0"/>
-        </a:xfrm>
-      </p:grpSpPr>
-      <p:pic>
-        <p:nvPicPr>
-          <p:cNvPr id="5" name="Picture 4">
-            <a:extLst>
-              <a:ext uri="{FF2B5EF4-FFF2-40B4-BE49-F238E27FC236}">
-                <a16:creationId xmlns:a16="http://schemas.microsoft.com/office/drawing/2014/main" id="{8B5B60B4-2113-4046-B087-2E36599A8AC7}"/>
+                <a16:creationId xmlns:a16="http://schemas.microsoft.com/office/drawing/2014/main" id="{E81BA853-EF6A-403D-8AD0-35D706DE9B1F}"/>
               </a:ext>
             </a:extLst>
           </p:cNvPr>
@@ -6166,15 +5879,1119 @@
           <p:nvPr/>
         </p:nvPicPr>
         <p:blipFill>
-          <a:blip r:embed="rId3"/>
+          <a:blip r:embed="rId2">
+            <a:extLst>
+              <a:ext uri="{28A0092B-C50C-407E-A947-70E740481C1C}">
+                <a14:useLocalDpi xmlns:a14="http://schemas.microsoft.com/office/drawing/2010/main" val="0"/>
+              </a:ext>
+            </a:extLst>
+          </a:blip>
           <a:stretch>
             <a:fillRect/>
           </a:stretch>
         </p:blipFill>
         <p:spPr>
           <a:xfrm>
-            <a:off x="3714750" y="1047750"/>
-            <a:ext cx="4762500" cy="4762500"/>
+            <a:off x="9181185" y="212170"/>
+            <a:ext cx="2912244" cy="1528900"/>
+          </a:xfrm>
+          <a:prstGeom prst="rect">
+            <a:avLst/>
+          </a:prstGeom>
+        </p:spPr>
+      </p:pic>
+      <p:cxnSp>
+        <p:nvCxnSpPr>
+          <p:cNvPr id="12" name="Straight Arrow Connector 11">
+            <a:extLst>
+              <a:ext uri="{FF2B5EF4-FFF2-40B4-BE49-F238E27FC236}">
+                <a16:creationId xmlns:a16="http://schemas.microsoft.com/office/drawing/2014/main" id="{461B3E2E-5753-4AC1-9A7B-FA63BF9B2FE7}"/>
+              </a:ext>
+            </a:extLst>
+          </p:cNvPr>
+          <p:cNvCxnSpPr>
+            <a:cxnSpLocks/>
+            <a:stCxn id="10" idx="3"/>
+            <a:endCxn id="22" idx="1"/>
+          </p:cNvCxnSpPr>
+          <p:nvPr/>
+        </p:nvCxnSpPr>
+        <p:spPr>
+          <a:xfrm flipV="1">
+            <a:off x="7333293" y="593345"/>
+            <a:ext cx="2861273" cy="2835655"/>
+          </a:xfrm>
+          <a:prstGeom prst="straightConnector1">
+            <a:avLst/>
+          </a:prstGeom>
+          <a:ln w="76200">
+            <a:solidFill>
+              <a:srgbClr val="92D050"/>
+            </a:solidFill>
+            <a:tailEnd type="triangle"/>
+          </a:ln>
+        </p:spPr>
+        <p:style>
+          <a:lnRef idx="2">
+            <a:schemeClr val="accent6"/>
+          </a:lnRef>
+          <a:fillRef idx="0">
+            <a:schemeClr val="accent6"/>
+          </a:fillRef>
+          <a:effectRef idx="1">
+            <a:schemeClr val="accent6"/>
+          </a:effectRef>
+          <a:fontRef idx="minor">
+            <a:schemeClr val="tx1"/>
+          </a:fontRef>
+        </p:style>
+      </p:cxnSp>
+      <p:sp>
+        <p:nvSpPr>
+          <p:cNvPr id="10" name="Rectangle 9">
+            <a:extLst>
+              <a:ext uri="{FF2B5EF4-FFF2-40B4-BE49-F238E27FC236}">
+                <a16:creationId xmlns:a16="http://schemas.microsoft.com/office/drawing/2014/main" id="{DCE6125E-748E-4C07-BF89-F019A725F6CD}"/>
+              </a:ext>
+            </a:extLst>
+          </p:cNvPr>
+          <p:cNvSpPr/>
+          <p:nvPr/>
+        </p:nvSpPr>
+        <p:spPr>
+          <a:xfrm>
+            <a:off x="5133017" y="2938463"/>
+            <a:ext cx="2200275" cy="981075"/>
+          </a:xfrm>
+          <a:prstGeom prst="rect">
+            <a:avLst/>
+          </a:prstGeom>
+        </p:spPr>
+        <p:style>
+          <a:lnRef idx="2">
+            <a:schemeClr val="accent1">
+              <a:shade val="50000"/>
+            </a:schemeClr>
+          </a:lnRef>
+          <a:fillRef idx="1">
+            <a:schemeClr val="accent1"/>
+          </a:fillRef>
+          <a:effectRef idx="0">
+            <a:schemeClr val="accent1"/>
+          </a:effectRef>
+          <a:fontRef idx="minor">
+            <a:schemeClr val="lt1"/>
+          </a:fontRef>
+        </p:style>
+        <p:txBody>
+          <a:bodyPr rot="0" spcFirstLastPara="0" vertOverflow="overflow" horzOverflow="overflow" vert="horz" wrap="square" lIns="51435" tIns="25718" rIns="51435" bIns="25718" numCol="1" spcCol="0" rtlCol="0" fromWordArt="0" anchor="ctr" anchorCtr="0" forceAA="0" compatLnSpc="1">
+            <a:prstTxWarp prst="textNoShape">
+              <a:avLst/>
+            </a:prstTxWarp>
+            <a:noAutofit/>
+          </a:bodyPr>
+          <a:lstStyle/>
+          <a:p>
+            <a:pPr algn="ctr"/>
+            <a:r>
+              <a:rPr lang="en-US" sz="1013" dirty="0"/>
+              <a:t>SHOP IMAGE </a:t>
+            </a:r>
+            <a:r>
+              <a:rPr lang="en-US" sz="1013" dirty="0">
+                <a:sym typeface="Wingdings" panose="05000000000000000000" pitchFamily="2" charset="2"/>
+              </a:rPr>
+              <a:t> WITH ONE PERSON</a:t>
+            </a:r>
+            <a:endParaRPr lang="en-US" sz="1013" dirty="0"/>
+          </a:p>
+        </p:txBody>
+      </p:sp>
+      <p:sp>
+        <p:nvSpPr>
+          <p:cNvPr id="14" name="Rectangle 13">
+            <a:extLst>
+              <a:ext uri="{FF2B5EF4-FFF2-40B4-BE49-F238E27FC236}">
+                <a16:creationId xmlns:a16="http://schemas.microsoft.com/office/drawing/2014/main" id="{08393179-B1A0-466C-90D6-A5F261A814D9}"/>
+              </a:ext>
+            </a:extLst>
+          </p:cNvPr>
+          <p:cNvSpPr/>
+          <p:nvPr/>
+        </p:nvSpPr>
+        <p:spPr>
+          <a:xfrm>
+            <a:off x="9872811" y="2737802"/>
+            <a:ext cx="2200275" cy="981075"/>
+          </a:xfrm>
+          <a:prstGeom prst="rect">
+            <a:avLst/>
+          </a:prstGeom>
+        </p:spPr>
+        <p:style>
+          <a:lnRef idx="2">
+            <a:schemeClr val="accent1">
+              <a:shade val="50000"/>
+            </a:schemeClr>
+          </a:lnRef>
+          <a:fillRef idx="1">
+            <a:schemeClr val="accent1"/>
+          </a:fillRef>
+          <a:effectRef idx="0">
+            <a:schemeClr val="accent1"/>
+          </a:effectRef>
+          <a:fontRef idx="minor">
+            <a:schemeClr val="lt1"/>
+          </a:fontRef>
+        </p:style>
+        <p:txBody>
+          <a:bodyPr rot="0" spcFirstLastPara="0" vertOverflow="overflow" horzOverflow="overflow" vert="horz" wrap="square" lIns="51435" tIns="25718" rIns="51435" bIns="25718" numCol="1" spcCol="0" rtlCol="0" fromWordArt="0" anchor="ctr" anchorCtr="0" forceAA="0" compatLnSpc="1">
+            <a:prstTxWarp prst="textNoShape">
+              <a:avLst/>
+            </a:prstTxWarp>
+            <a:noAutofit/>
+          </a:bodyPr>
+          <a:lstStyle/>
+          <a:p>
+            <a:pPr algn="ctr"/>
+            <a:r>
+              <a:rPr lang="en-US" sz="1013" dirty="0"/>
+              <a:t>IMAGE OF A FRAME DETECTING PEOPLE</a:t>
+            </a:r>
+          </a:p>
+        </p:txBody>
+      </p:sp>
+      <p:cxnSp>
+        <p:nvCxnSpPr>
+          <p:cNvPr id="15" name="Straight Arrow Connector 14">
+            <a:extLst>
+              <a:ext uri="{FF2B5EF4-FFF2-40B4-BE49-F238E27FC236}">
+                <a16:creationId xmlns:a16="http://schemas.microsoft.com/office/drawing/2014/main" id="{52F9F0DD-AC12-4BD0-98AA-54E94A8F7E70}"/>
+              </a:ext>
+            </a:extLst>
+          </p:cNvPr>
+          <p:cNvCxnSpPr>
+            <a:cxnSpLocks/>
+            <a:stCxn id="22" idx="2"/>
+            <a:endCxn id="14" idx="0"/>
+          </p:cNvCxnSpPr>
+          <p:nvPr/>
+        </p:nvCxnSpPr>
+        <p:spPr>
+          <a:xfrm>
+            <a:off x="10583757" y="1002765"/>
+            <a:ext cx="389191" cy="1735037"/>
+          </a:xfrm>
+          <a:prstGeom prst="straightConnector1">
+            <a:avLst/>
+          </a:prstGeom>
+          <a:ln w="76200">
+            <a:solidFill>
+              <a:srgbClr val="92D050"/>
+            </a:solidFill>
+            <a:tailEnd type="triangle"/>
+          </a:ln>
+        </p:spPr>
+        <p:style>
+          <a:lnRef idx="1">
+            <a:schemeClr val="accent6"/>
+          </a:lnRef>
+          <a:fillRef idx="0">
+            <a:schemeClr val="accent6"/>
+          </a:fillRef>
+          <a:effectRef idx="0">
+            <a:schemeClr val="accent6"/>
+          </a:effectRef>
+          <a:fontRef idx="minor">
+            <a:schemeClr val="tx1"/>
+          </a:fontRef>
+        </p:style>
+      </p:cxnSp>
+      <p:sp>
+        <p:nvSpPr>
+          <p:cNvPr id="22" name="Rectangle 21">
+            <a:extLst>
+              <a:ext uri="{FF2B5EF4-FFF2-40B4-BE49-F238E27FC236}">
+                <a16:creationId xmlns:a16="http://schemas.microsoft.com/office/drawing/2014/main" id="{BB4C4E02-AFE8-4ABC-802B-C159043505AA}"/>
+              </a:ext>
+            </a:extLst>
+          </p:cNvPr>
+          <p:cNvSpPr/>
+          <p:nvPr/>
+        </p:nvSpPr>
+        <p:spPr>
+          <a:xfrm>
+            <a:off x="10194566" y="183925"/>
+            <a:ext cx="778382" cy="818840"/>
+          </a:xfrm>
+          <a:prstGeom prst="rect">
+            <a:avLst/>
+          </a:prstGeom>
+          <a:noFill/>
+          <a:ln>
+            <a:noFill/>
+          </a:ln>
+        </p:spPr>
+        <p:style>
+          <a:lnRef idx="2">
+            <a:schemeClr val="accent1">
+              <a:shade val="50000"/>
+            </a:schemeClr>
+          </a:lnRef>
+          <a:fillRef idx="1">
+            <a:schemeClr val="accent1"/>
+          </a:fillRef>
+          <a:effectRef idx="0">
+            <a:schemeClr val="accent1"/>
+          </a:effectRef>
+          <a:fontRef idx="minor">
+            <a:schemeClr val="lt1"/>
+          </a:fontRef>
+        </p:style>
+        <p:txBody>
+          <a:bodyPr rot="0" spcFirstLastPara="0" vertOverflow="overflow" horzOverflow="overflow" vert="horz" wrap="square" lIns="51435" tIns="25718" rIns="51435" bIns="25718" numCol="1" spcCol="0" rtlCol="0" fromWordArt="0" anchor="ctr" anchorCtr="0" forceAA="0" compatLnSpc="1">
+            <a:prstTxWarp prst="textNoShape">
+              <a:avLst/>
+            </a:prstTxWarp>
+            <a:noAutofit/>
+          </a:bodyPr>
+          <a:lstStyle/>
+          <a:p>
+            <a:pPr algn="ctr"/>
+            <a:endParaRPr lang="en-US" sz="1013"/>
+          </a:p>
+        </p:txBody>
+      </p:sp>
+      <p:pic>
+        <p:nvPicPr>
+          <p:cNvPr id="1028" name="Picture 4" descr="Related image">
+            <a:extLst>
+              <a:ext uri="{FF2B5EF4-FFF2-40B4-BE49-F238E27FC236}">
+                <a16:creationId xmlns:a16="http://schemas.microsoft.com/office/drawing/2014/main" id="{457FD4EA-475C-4C92-BE54-048D68D4C25C}"/>
+              </a:ext>
+            </a:extLst>
+          </p:cNvPr>
+          <p:cNvPicPr>
+            <a:picLocks noChangeAspect="1" noChangeArrowheads="1"/>
+          </p:cNvPicPr>
+          <p:nvPr/>
+        </p:nvPicPr>
+        <p:blipFill>
+          <a:blip r:embed="rId3">
+            <a:clrChange>
+              <a:clrFrom>
+                <a:srgbClr val="F6F6F6"/>
+              </a:clrFrom>
+              <a:clrTo>
+                <a:srgbClr val="F6F6F6">
+                  <a:alpha val="0"/>
+                </a:srgbClr>
+              </a:clrTo>
+            </a:clrChange>
+            <a:extLst>
+              <a:ext uri="{28A0092B-C50C-407E-A947-70E740481C1C}">
+                <a14:useLocalDpi xmlns:a14="http://schemas.microsoft.com/office/drawing/2010/main" val="0"/>
+              </a:ext>
+            </a:extLst>
+          </a:blip>
+          <a:srcRect/>
+          <a:stretch>
+            <a:fillRect/>
+          </a:stretch>
+        </p:blipFill>
+        <p:spPr bwMode="auto">
+          <a:xfrm>
+            <a:off x="7301061" y="4525201"/>
+            <a:ext cx="2571750" cy="1928813"/>
+          </a:xfrm>
+          <a:prstGeom prst="rect">
+            <a:avLst/>
+          </a:prstGeom>
+          <a:noFill/>
+          <a:extLst>
+            <a:ext uri="{909E8E84-426E-40DD-AFC4-6F175D3DCCD1}">
+              <a14:hiddenFill xmlns:a14="http://schemas.microsoft.com/office/drawing/2010/main">
+                <a:solidFill>
+                  <a:srgbClr val="FFFFFF"/>
+                </a:solidFill>
+              </a14:hiddenFill>
+            </a:ext>
+          </a:extLst>
+        </p:spPr>
+      </p:pic>
+      <p:cxnSp>
+        <p:nvCxnSpPr>
+          <p:cNvPr id="31" name="Straight Arrow Connector 30">
+            <a:extLst>
+              <a:ext uri="{FF2B5EF4-FFF2-40B4-BE49-F238E27FC236}">
+                <a16:creationId xmlns:a16="http://schemas.microsoft.com/office/drawing/2014/main" id="{EB2E4CAE-8FDB-41C7-9072-215617C8F0D0}"/>
+              </a:ext>
+            </a:extLst>
+          </p:cNvPr>
+          <p:cNvCxnSpPr>
+            <a:cxnSpLocks/>
+            <a:endCxn id="1028" idx="3"/>
+          </p:cNvCxnSpPr>
+          <p:nvPr/>
+        </p:nvCxnSpPr>
+        <p:spPr>
+          <a:xfrm flipH="1">
+            <a:off x="9872810" y="3718877"/>
+            <a:ext cx="1100138" cy="1770731"/>
+          </a:xfrm>
+          <a:prstGeom prst="straightConnector1">
+            <a:avLst/>
+          </a:prstGeom>
+          <a:ln w="76200">
+            <a:solidFill>
+              <a:srgbClr val="92D050"/>
+            </a:solidFill>
+            <a:tailEnd type="triangle"/>
+          </a:ln>
+        </p:spPr>
+        <p:style>
+          <a:lnRef idx="1">
+            <a:schemeClr val="accent6"/>
+          </a:lnRef>
+          <a:fillRef idx="0">
+            <a:schemeClr val="accent6"/>
+          </a:fillRef>
+          <a:effectRef idx="0">
+            <a:schemeClr val="accent6"/>
+          </a:effectRef>
+          <a:fontRef idx="minor">
+            <a:schemeClr val="tx1"/>
+          </a:fontRef>
+        </p:style>
+      </p:cxnSp>
+      <p:sp>
+        <p:nvSpPr>
+          <p:cNvPr id="1024" name="TextBox 1023">
+            <a:extLst>
+              <a:ext uri="{FF2B5EF4-FFF2-40B4-BE49-F238E27FC236}">
+                <a16:creationId xmlns:a16="http://schemas.microsoft.com/office/drawing/2014/main" id="{E681C2B8-FFD8-413C-BCE5-C3C61E491EB8}"/>
+              </a:ext>
+            </a:extLst>
+          </p:cNvPr>
+          <p:cNvSpPr txBox="1"/>
+          <p:nvPr/>
+        </p:nvSpPr>
+        <p:spPr>
+          <a:xfrm>
+            <a:off x="9181185" y="212170"/>
+            <a:ext cx="2912244" cy="438582"/>
+          </a:xfrm>
+          <a:prstGeom prst="rect">
+            <a:avLst/>
+          </a:prstGeom>
+          <a:solidFill>
+            <a:srgbClr val="92D050">
+              <a:alpha val="40000"/>
+            </a:srgbClr>
+          </a:solidFill>
+        </p:spPr>
+        <p:txBody>
+          <a:bodyPr wrap="square" rtlCol="0">
+            <a:spAutoFit/>
+          </a:bodyPr>
+          <a:lstStyle/>
+          <a:p>
+            <a:r>
+              <a:rPr lang="en-US" sz="2250" b="1" dirty="0">
+                <a:effectLst>
+                  <a:outerShdw blurRad="38100" dist="38100" dir="2700000" algn="tl">
+                    <a:srgbClr val="000000">
+                      <a:alpha val="43137"/>
+                    </a:srgbClr>
+                  </a:outerShdw>
+                </a:effectLst>
+                <a:latin typeface="Bodoni MT" panose="02070603080606020203" pitchFamily="18" charset="0"/>
+              </a:rPr>
+              <a:t>SECURITY CAMERAS</a:t>
+            </a:r>
+          </a:p>
+        </p:txBody>
+      </p:sp>
+      <p:sp>
+        <p:nvSpPr>
+          <p:cNvPr id="35" name="TextBox 34">
+            <a:extLst>
+              <a:ext uri="{FF2B5EF4-FFF2-40B4-BE49-F238E27FC236}">
+                <a16:creationId xmlns:a16="http://schemas.microsoft.com/office/drawing/2014/main" id="{8D4618B1-53BB-407C-B88C-3145EA93121E}"/>
+              </a:ext>
+            </a:extLst>
+          </p:cNvPr>
+          <p:cNvSpPr txBox="1"/>
+          <p:nvPr/>
+        </p:nvSpPr>
+        <p:spPr>
+          <a:xfrm>
+            <a:off x="7319832" y="6055829"/>
+            <a:ext cx="2552978" cy="438582"/>
+          </a:xfrm>
+          <a:prstGeom prst="rect">
+            <a:avLst/>
+          </a:prstGeom>
+          <a:solidFill>
+            <a:srgbClr val="92D050">
+              <a:alpha val="40000"/>
+            </a:srgbClr>
+          </a:solidFill>
+        </p:spPr>
+        <p:txBody>
+          <a:bodyPr wrap="square" rtlCol="0">
+            <a:spAutoFit/>
+          </a:bodyPr>
+          <a:lstStyle/>
+          <a:p>
+            <a:r>
+              <a:rPr lang="en-US" sz="2250" b="1" dirty="0">
+                <a:effectLst>
+                  <a:outerShdw blurRad="38100" dist="38100" dir="2700000" algn="tl">
+                    <a:srgbClr val="000000">
+                      <a:alpha val="43137"/>
+                    </a:srgbClr>
+                  </a:outerShdw>
+                </a:effectLst>
+                <a:latin typeface="Bodoni MT" panose="02070603080606020203" pitchFamily="18" charset="0"/>
+              </a:rPr>
+              <a:t>TRACK PEOPLE</a:t>
+            </a:r>
+          </a:p>
+        </p:txBody>
+      </p:sp>
+      <p:pic>
+        <p:nvPicPr>
+          <p:cNvPr id="1030" name="Picture 6" descr="Image result for cashier clipart">
+            <a:extLst>
+              <a:ext uri="{FF2B5EF4-FFF2-40B4-BE49-F238E27FC236}">
+                <a16:creationId xmlns:a16="http://schemas.microsoft.com/office/drawing/2014/main" id="{D11580BD-8B07-4B75-ACA3-6BEC1266E117}"/>
+              </a:ext>
+            </a:extLst>
+          </p:cNvPr>
+          <p:cNvPicPr>
+            <a:picLocks noChangeAspect="1" noChangeArrowheads="1"/>
+          </p:cNvPicPr>
+          <p:nvPr/>
+        </p:nvPicPr>
+        <p:blipFill>
+          <a:blip r:embed="rId4">
+            <a:clrChange>
+              <a:clrFrom>
+                <a:srgbClr val="FFFFFF"/>
+              </a:clrFrom>
+              <a:clrTo>
+                <a:srgbClr val="FFFFFF">
+                  <a:alpha val="0"/>
+                </a:srgbClr>
+              </a:clrTo>
+            </a:clrChange>
+            <a:extLst>
+              <a:ext uri="{28A0092B-C50C-407E-A947-70E740481C1C}">
+                <a14:useLocalDpi xmlns:a14="http://schemas.microsoft.com/office/drawing/2010/main" val="0"/>
+              </a:ext>
+            </a:extLst>
+          </a:blip>
+          <a:srcRect/>
+          <a:stretch>
+            <a:fillRect/>
+          </a:stretch>
+        </p:blipFill>
+        <p:spPr bwMode="auto">
+          <a:xfrm>
+            <a:off x="6144" y="0"/>
+            <a:ext cx="3278981" cy="1607344"/>
+          </a:xfrm>
+          <a:prstGeom prst="rect">
+            <a:avLst/>
+          </a:prstGeom>
+          <a:noFill/>
+          <a:extLst>
+            <a:ext uri="{909E8E84-426E-40DD-AFC4-6F175D3DCCD1}">
+              <a14:hiddenFill xmlns:a14="http://schemas.microsoft.com/office/drawing/2010/main">
+                <a:solidFill>
+                  <a:srgbClr val="FFFFFF"/>
+                </a:solidFill>
+              </a14:hiddenFill>
+            </a:ext>
+          </a:extLst>
+        </p:spPr>
+      </p:pic>
+      <p:sp>
+        <p:nvSpPr>
+          <p:cNvPr id="37" name="TextBox 36">
+            <a:extLst>
+              <a:ext uri="{FF2B5EF4-FFF2-40B4-BE49-F238E27FC236}">
+                <a16:creationId xmlns:a16="http://schemas.microsoft.com/office/drawing/2014/main" id="{000F2C0A-30BC-408B-B685-E49AA8599D59}"/>
+              </a:ext>
+            </a:extLst>
+          </p:cNvPr>
+          <p:cNvSpPr txBox="1"/>
+          <p:nvPr/>
+        </p:nvSpPr>
+        <p:spPr>
+          <a:xfrm>
+            <a:off x="842721" y="574511"/>
+            <a:ext cx="1605826" cy="438582"/>
+          </a:xfrm>
+          <a:prstGeom prst="rect">
+            <a:avLst/>
+          </a:prstGeom>
+          <a:solidFill>
+            <a:srgbClr val="92D050">
+              <a:alpha val="40000"/>
+            </a:srgbClr>
+          </a:solidFill>
+        </p:spPr>
+        <p:txBody>
+          <a:bodyPr wrap="square" rtlCol="0">
+            <a:spAutoFit/>
+          </a:bodyPr>
+          <a:lstStyle/>
+          <a:p>
+            <a:r>
+              <a:rPr lang="en-US" sz="2250" b="1" dirty="0">
+                <a:effectLst>
+                  <a:outerShdw blurRad="38100" dist="38100" dir="2700000" algn="tl">
+                    <a:srgbClr val="000000">
+                      <a:alpha val="43137"/>
+                    </a:srgbClr>
+                  </a:outerShdw>
+                </a:effectLst>
+                <a:latin typeface="Bodoni MT" panose="02070603080606020203" pitchFamily="18" charset="0"/>
+              </a:rPr>
+              <a:t>CASHIERS</a:t>
+            </a:r>
+          </a:p>
+        </p:txBody>
+      </p:sp>
+      <p:cxnSp>
+        <p:nvCxnSpPr>
+          <p:cNvPr id="38" name="Straight Arrow Connector 37">
+            <a:extLst>
+              <a:ext uri="{FF2B5EF4-FFF2-40B4-BE49-F238E27FC236}">
+                <a16:creationId xmlns:a16="http://schemas.microsoft.com/office/drawing/2014/main" id="{F432912E-70E6-41AA-8723-6E18A3FD68B4}"/>
+              </a:ext>
+            </a:extLst>
+          </p:cNvPr>
+          <p:cNvCxnSpPr>
+            <a:cxnSpLocks/>
+            <a:stCxn id="1038" idx="1"/>
+            <a:endCxn id="1030" idx="3"/>
+          </p:cNvCxnSpPr>
+          <p:nvPr/>
+        </p:nvCxnSpPr>
+        <p:spPr>
+          <a:xfrm flipH="1" flipV="1">
+            <a:off x="3285125" y="803672"/>
+            <a:ext cx="1354304" cy="209421"/>
+          </a:xfrm>
+          <a:prstGeom prst="straightConnector1">
+            <a:avLst/>
+          </a:prstGeom>
+          <a:ln w="76200">
+            <a:solidFill>
+              <a:srgbClr val="92D050"/>
+            </a:solidFill>
+            <a:tailEnd type="triangle"/>
+          </a:ln>
+        </p:spPr>
+        <p:style>
+          <a:lnRef idx="1">
+            <a:schemeClr val="accent6"/>
+          </a:lnRef>
+          <a:fillRef idx="0">
+            <a:schemeClr val="accent6"/>
+          </a:fillRef>
+          <a:effectRef idx="0">
+            <a:schemeClr val="accent6"/>
+          </a:effectRef>
+          <a:fontRef idx="minor">
+            <a:schemeClr val="tx1"/>
+          </a:fontRef>
+        </p:style>
+      </p:cxnSp>
+      <p:pic>
+        <p:nvPicPr>
+          <p:cNvPr id="1032" name="Picture 8" descr="Image result for notification">
+            <a:extLst>
+              <a:ext uri="{FF2B5EF4-FFF2-40B4-BE49-F238E27FC236}">
+                <a16:creationId xmlns:a16="http://schemas.microsoft.com/office/drawing/2014/main" id="{8A28130E-9775-4D0B-8DB1-187FCE4B0717}"/>
+              </a:ext>
+            </a:extLst>
+          </p:cNvPr>
+          <p:cNvPicPr>
+            <a:picLocks noChangeAspect="1" noChangeArrowheads="1"/>
+          </p:cNvPicPr>
+          <p:nvPr/>
+        </p:nvPicPr>
+        <p:blipFill rotWithShape="1">
+          <a:blip r:embed="rId5">
+            <a:extLst>
+              <a:ext uri="{28A0092B-C50C-407E-A947-70E740481C1C}">
+                <a14:useLocalDpi xmlns:a14="http://schemas.microsoft.com/office/drawing/2010/main" val="0"/>
+              </a:ext>
+            </a:extLst>
+          </a:blip>
+          <a:srcRect l="24762" r="21575"/>
+          <a:stretch/>
+        </p:blipFill>
+        <p:spPr bwMode="auto">
+          <a:xfrm>
+            <a:off x="4122969" y="1080543"/>
+            <a:ext cx="471655" cy="432054"/>
+          </a:xfrm>
+          <a:prstGeom prst="rect">
+            <a:avLst/>
+          </a:prstGeom>
+          <a:noFill/>
+          <a:extLst>
+            <a:ext uri="{909E8E84-426E-40DD-AFC4-6F175D3DCCD1}">
+              <a14:hiddenFill xmlns:a14="http://schemas.microsoft.com/office/drawing/2010/main">
+                <a:solidFill>
+                  <a:srgbClr val="FFFFFF"/>
+                </a:solidFill>
+              </a14:hiddenFill>
+            </a:ext>
+          </a:extLst>
+        </p:spPr>
+      </p:pic>
+      <p:pic>
+        <p:nvPicPr>
+          <p:cNvPr id="1038" name="Picture 1037">
+            <a:extLst>
+              <a:ext uri="{FF2B5EF4-FFF2-40B4-BE49-F238E27FC236}">
+                <a16:creationId xmlns:a16="http://schemas.microsoft.com/office/drawing/2014/main" id="{671DF20A-4E90-4670-9785-632B745FA4D5}"/>
+              </a:ext>
+            </a:extLst>
+          </p:cNvPr>
+          <p:cNvPicPr>
+            <a:picLocks noChangeAspect="1"/>
+          </p:cNvPicPr>
+          <p:nvPr/>
+        </p:nvPicPr>
+        <p:blipFill>
+          <a:blip r:embed="rId6">
+            <a:extLst>
+              <a:ext uri="{28A0092B-C50C-407E-A947-70E740481C1C}">
+                <a14:useLocalDpi xmlns:a14="http://schemas.microsoft.com/office/drawing/2010/main" val="0"/>
+              </a:ext>
+            </a:extLst>
+          </a:blip>
+          <a:stretch>
+            <a:fillRect/>
+          </a:stretch>
+        </p:blipFill>
+        <p:spPr>
+          <a:xfrm>
+            <a:off x="4639429" y="183925"/>
+            <a:ext cx="3187451" cy="1658336"/>
+          </a:xfrm>
+          <a:prstGeom prst="rect">
+            <a:avLst/>
+          </a:prstGeom>
+        </p:spPr>
+      </p:pic>
+      <p:cxnSp>
+        <p:nvCxnSpPr>
+          <p:cNvPr id="59" name="Straight Arrow Connector 58">
+            <a:extLst>
+              <a:ext uri="{FF2B5EF4-FFF2-40B4-BE49-F238E27FC236}">
+                <a16:creationId xmlns:a16="http://schemas.microsoft.com/office/drawing/2014/main" id="{C910DD85-706B-4153-B51A-A72FFE595811}"/>
+              </a:ext>
+            </a:extLst>
+          </p:cNvPr>
+          <p:cNvCxnSpPr>
+            <a:cxnSpLocks/>
+            <a:stCxn id="10" idx="0"/>
+            <a:endCxn id="1038" idx="2"/>
+          </p:cNvCxnSpPr>
+          <p:nvPr/>
+        </p:nvCxnSpPr>
+        <p:spPr>
+          <a:xfrm flipV="1">
+            <a:off x="6233155" y="1842261"/>
+            <a:ext cx="0" cy="1096202"/>
+          </a:xfrm>
+          <a:prstGeom prst="straightConnector1">
+            <a:avLst/>
+          </a:prstGeom>
+          <a:ln w="76200">
+            <a:solidFill>
+              <a:srgbClr val="92D050"/>
+            </a:solidFill>
+            <a:tailEnd type="triangle"/>
+          </a:ln>
+        </p:spPr>
+        <p:style>
+          <a:lnRef idx="1">
+            <a:schemeClr val="accent6"/>
+          </a:lnRef>
+          <a:fillRef idx="0">
+            <a:schemeClr val="accent6"/>
+          </a:fillRef>
+          <a:effectRef idx="0">
+            <a:schemeClr val="accent6"/>
+          </a:effectRef>
+          <a:fontRef idx="minor">
+            <a:schemeClr val="tx1"/>
+          </a:fontRef>
+        </p:style>
+      </p:cxnSp>
+      <p:sp>
+        <p:nvSpPr>
+          <p:cNvPr id="62" name="TextBox 61">
+            <a:extLst>
+              <a:ext uri="{FF2B5EF4-FFF2-40B4-BE49-F238E27FC236}">
+                <a16:creationId xmlns:a16="http://schemas.microsoft.com/office/drawing/2014/main" id="{606206ED-CDA2-4BA6-BFED-074BE693E43C}"/>
+              </a:ext>
+            </a:extLst>
+          </p:cNvPr>
+          <p:cNvSpPr txBox="1"/>
+          <p:nvPr/>
+        </p:nvSpPr>
+        <p:spPr>
+          <a:xfrm>
+            <a:off x="4639429" y="1405494"/>
+            <a:ext cx="3187451" cy="438582"/>
+          </a:xfrm>
+          <a:prstGeom prst="rect">
+            <a:avLst/>
+          </a:prstGeom>
+          <a:solidFill>
+            <a:srgbClr val="92D050">
+              <a:alpha val="69804"/>
+            </a:srgbClr>
+          </a:solidFill>
+        </p:spPr>
+        <p:txBody>
+          <a:bodyPr wrap="square" rtlCol="0">
+            <a:spAutoFit/>
+          </a:bodyPr>
+          <a:lstStyle/>
+          <a:p>
+            <a:pPr algn="ctr"/>
+            <a:r>
+              <a:rPr lang="en-US" sz="2250" b="1" dirty="0">
+                <a:effectLst>
+                  <a:outerShdw blurRad="38100" dist="38100" dir="2700000" algn="tl">
+                    <a:srgbClr val="000000">
+                      <a:alpha val="43137"/>
+                    </a:srgbClr>
+                  </a:outerShdw>
+                </a:effectLst>
+                <a:latin typeface="Bodoni MT" panose="02070603080606020203" pitchFamily="18" charset="0"/>
+              </a:rPr>
+              <a:t>QUEUE PREDICTION</a:t>
+            </a:r>
+          </a:p>
+        </p:txBody>
+      </p:sp>
+      <p:pic>
+        <p:nvPicPr>
+          <p:cNvPr id="1051" name="Picture 10" descr="Image result for supermarket customer clipart">
+            <a:extLst>
+              <a:ext uri="{FF2B5EF4-FFF2-40B4-BE49-F238E27FC236}">
+                <a16:creationId xmlns:a16="http://schemas.microsoft.com/office/drawing/2014/main" id="{93D57CFA-6F03-48C8-B485-5B3FBA97B59F}"/>
+              </a:ext>
+            </a:extLst>
+          </p:cNvPr>
+          <p:cNvPicPr>
+            <a:picLocks noChangeAspect="1" noChangeArrowheads="1"/>
+          </p:cNvPicPr>
+          <p:nvPr/>
+        </p:nvPicPr>
+        <p:blipFill>
+          <a:blip r:embed="rId7">
+            <a:clrChange>
+              <a:clrFrom>
+                <a:srgbClr val="FFFFFF"/>
+              </a:clrFrom>
+              <a:clrTo>
+                <a:srgbClr val="FFFFFF">
+                  <a:alpha val="0"/>
+                </a:srgbClr>
+              </a:clrTo>
+            </a:clrChange>
+            <a:extLst>
+              <a:ext uri="{28A0092B-C50C-407E-A947-70E740481C1C}">
+                <a14:useLocalDpi xmlns:a14="http://schemas.microsoft.com/office/drawing/2010/main" val="0"/>
+              </a:ext>
+            </a:extLst>
+          </a:blip>
+          <a:srcRect/>
+          <a:stretch>
+            <a:fillRect/>
+          </a:stretch>
+        </p:blipFill>
+        <p:spPr bwMode="auto">
+          <a:xfrm>
+            <a:off x="3388191" y="4351591"/>
+            <a:ext cx="1852403" cy="1875234"/>
+          </a:xfrm>
+          <a:prstGeom prst="rect">
+            <a:avLst/>
+          </a:prstGeom>
+          <a:noFill/>
+          <a:extLst>
+            <a:ext uri="{909E8E84-426E-40DD-AFC4-6F175D3DCCD1}">
+              <a14:hiddenFill xmlns:a14="http://schemas.microsoft.com/office/drawing/2010/main">
+                <a:solidFill>
+                  <a:srgbClr val="FFFFFF"/>
+                </a:solidFill>
+              </a14:hiddenFill>
+            </a:ext>
+          </a:extLst>
+        </p:spPr>
+      </p:pic>
+      <p:sp>
+        <p:nvSpPr>
+          <p:cNvPr id="66" name="TextBox 65">
+            <a:extLst>
+              <a:ext uri="{FF2B5EF4-FFF2-40B4-BE49-F238E27FC236}">
+                <a16:creationId xmlns:a16="http://schemas.microsoft.com/office/drawing/2014/main" id="{A05B2CE7-5485-486B-8C9C-9DA427502ECC}"/>
+              </a:ext>
+            </a:extLst>
+          </p:cNvPr>
+          <p:cNvSpPr txBox="1"/>
+          <p:nvPr/>
+        </p:nvSpPr>
+        <p:spPr>
+          <a:xfrm>
+            <a:off x="3388190" y="5828640"/>
+            <a:ext cx="1852404" cy="438582"/>
+          </a:xfrm>
+          <a:prstGeom prst="rect">
+            <a:avLst/>
+          </a:prstGeom>
+          <a:solidFill>
+            <a:srgbClr val="92D050">
+              <a:alpha val="69804"/>
+            </a:srgbClr>
+          </a:solidFill>
+        </p:spPr>
+        <p:txBody>
+          <a:bodyPr wrap="square" rtlCol="0">
+            <a:spAutoFit/>
+          </a:bodyPr>
+          <a:lstStyle/>
+          <a:p>
+            <a:r>
+              <a:rPr lang="en-US" sz="2250" b="1" dirty="0">
+                <a:effectLst>
+                  <a:outerShdw blurRad="38100" dist="38100" dir="2700000" algn="tl">
+                    <a:srgbClr val="000000">
+                      <a:alpha val="43137"/>
+                    </a:srgbClr>
+                  </a:outerShdw>
+                </a:effectLst>
+                <a:latin typeface="Bodoni MT" panose="02070603080606020203" pitchFamily="18" charset="0"/>
+              </a:rPr>
+              <a:t>CUSTOMERS</a:t>
+            </a:r>
+          </a:p>
+        </p:txBody>
+      </p:sp>
+      <p:cxnSp>
+        <p:nvCxnSpPr>
+          <p:cNvPr id="67" name="Straight Arrow Connector 66">
+            <a:extLst>
+              <a:ext uri="{FF2B5EF4-FFF2-40B4-BE49-F238E27FC236}">
+                <a16:creationId xmlns:a16="http://schemas.microsoft.com/office/drawing/2014/main" id="{E2B0B861-BB49-4D49-9737-CCD812C6A8B5}"/>
+              </a:ext>
+            </a:extLst>
+          </p:cNvPr>
+          <p:cNvCxnSpPr>
+            <a:cxnSpLocks/>
+            <a:stCxn id="10" idx="2"/>
+            <a:endCxn id="1051" idx="3"/>
+          </p:cNvCxnSpPr>
+          <p:nvPr/>
+        </p:nvCxnSpPr>
+        <p:spPr>
+          <a:xfrm flipH="1">
+            <a:off x="5240594" y="3919538"/>
+            <a:ext cx="992561" cy="1369670"/>
+          </a:xfrm>
+          <a:prstGeom prst="straightConnector1">
+            <a:avLst/>
+          </a:prstGeom>
+          <a:ln w="76200">
+            <a:solidFill>
+              <a:srgbClr val="92D050"/>
+            </a:solidFill>
+            <a:tailEnd type="triangle"/>
+          </a:ln>
+        </p:spPr>
+        <p:style>
+          <a:lnRef idx="1">
+            <a:schemeClr val="accent6"/>
+          </a:lnRef>
+          <a:fillRef idx="0">
+            <a:schemeClr val="accent6"/>
+          </a:fillRef>
+          <a:effectRef idx="0">
+            <a:schemeClr val="accent6"/>
+          </a:effectRef>
+          <a:fontRef idx="minor">
+            <a:schemeClr val="tx1"/>
+          </a:fontRef>
+        </p:style>
+      </p:cxnSp>
+      <p:pic>
+        <p:nvPicPr>
+          <p:cNvPr id="1055" name="Picture 1054">
+            <a:extLst>
+              <a:ext uri="{FF2B5EF4-FFF2-40B4-BE49-F238E27FC236}">
+                <a16:creationId xmlns:a16="http://schemas.microsoft.com/office/drawing/2014/main" id="{A80BAFE7-EAFA-4D93-8F0F-478799A52522}"/>
+              </a:ext>
+            </a:extLst>
+          </p:cNvPr>
+          <p:cNvPicPr>
+            <a:picLocks noChangeAspect="1"/>
+          </p:cNvPicPr>
+          <p:nvPr/>
+        </p:nvPicPr>
+        <p:blipFill>
+          <a:blip r:embed="rId8">
+            <a:extLst>
+              <a:ext uri="{28A0092B-C50C-407E-A947-70E740481C1C}">
+                <a14:useLocalDpi xmlns:a14="http://schemas.microsoft.com/office/drawing/2010/main" val="0"/>
+              </a:ext>
+            </a:extLst>
+          </a:blip>
+          <a:stretch>
+            <a:fillRect/>
+          </a:stretch>
+        </p:blipFill>
+        <p:spPr>
+          <a:xfrm>
+            <a:off x="92519" y="2737801"/>
+            <a:ext cx="2390653" cy="1804802"/>
+          </a:xfrm>
+          <a:prstGeom prst="rect">
+            <a:avLst/>
+          </a:prstGeom>
+        </p:spPr>
+      </p:pic>
+      <p:sp>
+        <p:nvSpPr>
+          <p:cNvPr id="72" name="TextBox 71">
+            <a:extLst>
+              <a:ext uri="{FF2B5EF4-FFF2-40B4-BE49-F238E27FC236}">
+                <a16:creationId xmlns:a16="http://schemas.microsoft.com/office/drawing/2014/main" id="{04273A34-3A54-45EE-85EB-212D0D377907}"/>
+              </a:ext>
+            </a:extLst>
+          </p:cNvPr>
+          <p:cNvSpPr txBox="1"/>
+          <p:nvPr/>
+        </p:nvSpPr>
+        <p:spPr>
+          <a:xfrm>
+            <a:off x="92518" y="4127016"/>
+            <a:ext cx="2356029" cy="438582"/>
+          </a:xfrm>
+          <a:prstGeom prst="rect">
+            <a:avLst/>
+          </a:prstGeom>
+          <a:solidFill>
+            <a:srgbClr val="92D050">
+              <a:alpha val="69804"/>
+            </a:srgbClr>
+          </a:solidFill>
+        </p:spPr>
+        <p:txBody>
+          <a:bodyPr wrap="square" rtlCol="0">
+            <a:spAutoFit/>
+          </a:bodyPr>
+          <a:lstStyle/>
+          <a:p>
+            <a:pPr algn="ctr"/>
+            <a:r>
+              <a:rPr lang="en-US" sz="2250" b="1" dirty="0">
+                <a:effectLst>
+                  <a:outerShdw blurRad="38100" dist="38100" dir="2700000" algn="tl">
+                    <a:srgbClr val="000000">
+                      <a:alpha val="43137"/>
+                    </a:srgbClr>
+                  </a:outerShdw>
+                </a:effectLst>
+                <a:latin typeface="Bodoni MT" panose="02070603080606020203" pitchFamily="18" charset="0"/>
+              </a:rPr>
+              <a:t>MOBILE APP</a:t>
+            </a:r>
+          </a:p>
+        </p:txBody>
+      </p:sp>
+      <p:cxnSp>
+        <p:nvCxnSpPr>
+          <p:cNvPr id="73" name="Straight Arrow Connector 72">
+            <a:extLst>
+              <a:ext uri="{FF2B5EF4-FFF2-40B4-BE49-F238E27FC236}">
+                <a16:creationId xmlns:a16="http://schemas.microsoft.com/office/drawing/2014/main" id="{579F2404-C8D4-47EA-9A13-179862882E47}"/>
+              </a:ext>
+            </a:extLst>
+          </p:cNvPr>
+          <p:cNvCxnSpPr>
+            <a:cxnSpLocks/>
+            <a:stCxn id="1051" idx="1"/>
+            <a:endCxn id="1055" idx="2"/>
+          </p:cNvCxnSpPr>
+          <p:nvPr/>
+        </p:nvCxnSpPr>
+        <p:spPr>
+          <a:xfrm flipH="1" flipV="1">
+            <a:off x="1287846" y="4542603"/>
+            <a:ext cx="2100345" cy="746605"/>
+          </a:xfrm>
+          <a:prstGeom prst="straightConnector1">
+            <a:avLst/>
+          </a:prstGeom>
+          <a:ln w="76200">
+            <a:solidFill>
+              <a:srgbClr val="92D050"/>
+            </a:solidFill>
+            <a:tailEnd type="triangle"/>
+          </a:ln>
+        </p:spPr>
+        <p:style>
+          <a:lnRef idx="1">
+            <a:schemeClr val="accent6"/>
+          </a:lnRef>
+          <a:fillRef idx="0">
+            <a:schemeClr val="accent6"/>
+          </a:fillRef>
+          <a:effectRef idx="0">
+            <a:schemeClr val="accent6"/>
+          </a:effectRef>
+          <a:fontRef idx="minor">
+            <a:schemeClr val="tx1"/>
+          </a:fontRef>
+        </p:style>
+      </p:cxnSp>
+      <p:pic>
+        <p:nvPicPr>
+          <p:cNvPr id="5" name="Picture 4">
+            <a:extLst>
+              <a:ext uri="{FF2B5EF4-FFF2-40B4-BE49-F238E27FC236}">
+                <a16:creationId xmlns:a16="http://schemas.microsoft.com/office/drawing/2014/main" id="{F2AF02C2-FFD6-4E13-9CE9-8DD8C6FBAF09}"/>
+              </a:ext>
+            </a:extLst>
+          </p:cNvPr>
+          <p:cNvPicPr>
+            <a:picLocks noChangeAspect="1"/>
+          </p:cNvPicPr>
+          <p:nvPr/>
+        </p:nvPicPr>
+        <p:blipFill rotWithShape="1">
+          <a:blip r:embed="rId9"/>
+          <a:srcRect l="25887" t="21207" r="10563" b="13548"/>
+          <a:stretch/>
+        </p:blipFill>
+        <p:spPr>
+          <a:xfrm>
+            <a:off x="0" y="0"/>
+            <a:ext cx="12260826" cy="6872010"/>
           </a:xfrm>
           <a:prstGeom prst="rect">
             <a:avLst/>
@@ -6184,17 +7001,1005 @@
     </p:spTree>
     <p:extLst>
       <p:ext uri="{BB962C8B-B14F-4D97-AF65-F5344CB8AC3E}">
-        <p14:creationId xmlns:p14="http://schemas.microsoft.com/office/powerpoint/2010/main" val="1725275657"/>
+        <p14:creationId xmlns:p14="http://schemas.microsoft.com/office/powerpoint/2010/main" val="189862512"/>
       </p:ext>
     </p:extLst>
   </p:cSld>
   <p:clrMapOvr>
     <a:masterClrMapping/>
   </p:clrMapOvr>
+  <p:timing>
+    <p:tnLst>
+      <p:par>
+        <p:cTn id="1" dur="indefinite" restart="never" nodeType="tmRoot">
+          <p:childTnLst>
+            <p:seq concurrent="1" nextAc="seek">
+              <p:cTn id="2" dur="indefinite" nodeType="mainSeq">
+                <p:childTnLst>
+                  <p:par>
+                    <p:cTn id="3" fill="hold">
+                      <p:stCondLst>
+                        <p:cond delay="indefinite"/>
+                      </p:stCondLst>
+                      <p:childTnLst>
+                        <p:par>
+                          <p:cTn id="4" fill="hold">
+                            <p:stCondLst>
+                              <p:cond delay="0"/>
+                            </p:stCondLst>
+                            <p:childTnLst>
+                              <p:par>
+                                <p:cTn id="5" presetID="1" presetClass="entr" presetSubtype="0" fill="hold" nodeType="clickEffect">
+                                  <p:stCondLst>
+                                    <p:cond delay="0"/>
+                                  </p:stCondLst>
+                                  <p:childTnLst>
+                                    <p:set>
+                                      <p:cBhvr>
+                                        <p:cTn id="6" dur="1" fill="hold">
+                                          <p:stCondLst>
+                                            <p:cond delay="0"/>
+                                          </p:stCondLst>
+                                        </p:cTn>
+                                        <p:tgtEl>
+                                          <p:spTgt spid="12"/>
+                                        </p:tgtEl>
+                                        <p:attrNameLst>
+                                          <p:attrName>style.visibility</p:attrName>
+                                        </p:attrNameLst>
+                                      </p:cBhvr>
+                                      <p:to>
+                                        <p:strVal val="visible"/>
+                                      </p:to>
+                                    </p:set>
+                                  </p:childTnLst>
+                                </p:cTn>
+                              </p:par>
+                              <p:par>
+                                <p:cTn id="7" presetID="1" presetClass="entr" presetSubtype="0" fill="hold" nodeType="withEffect">
+                                  <p:stCondLst>
+                                    <p:cond delay="0"/>
+                                  </p:stCondLst>
+                                  <p:childTnLst>
+                                    <p:set>
+                                      <p:cBhvr>
+                                        <p:cTn id="8" dur="1" fill="hold">
+                                          <p:stCondLst>
+                                            <p:cond delay="0"/>
+                                          </p:stCondLst>
+                                        </p:cTn>
+                                        <p:tgtEl>
+                                          <p:spTgt spid="18"/>
+                                        </p:tgtEl>
+                                        <p:attrNameLst>
+                                          <p:attrName>style.visibility</p:attrName>
+                                        </p:attrNameLst>
+                                      </p:cBhvr>
+                                      <p:to>
+                                        <p:strVal val="visible"/>
+                                      </p:to>
+                                    </p:set>
+                                  </p:childTnLst>
+                                </p:cTn>
+                              </p:par>
+                              <p:par>
+                                <p:cTn id="9" presetID="1" presetClass="entr" presetSubtype="0" fill="hold" grpId="0" nodeType="withEffect">
+                                  <p:stCondLst>
+                                    <p:cond delay="0"/>
+                                  </p:stCondLst>
+                                  <p:childTnLst>
+                                    <p:set>
+                                      <p:cBhvr>
+                                        <p:cTn id="10" dur="1" fill="hold">
+                                          <p:stCondLst>
+                                            <p:cond delay="0"/>
+                                          </p:stCondLst>
+                                        </p:cTn>
+                                        <p:tgtEl>
+                                          <p:spTgt spid="1024"/>
+                                        </p:tgtEl>
+                                        <p:attrNameLst>
+                                          <p:attrName>style.visibility</p:attrName>
+                                        </p:attrNameLst>
+                                      </p:cBhvr>
+                                      <p:to>
+                                        <p:strVal val="visible"/>
+                                      </p:to>
+                                    </p:set>
+                                  </p:childTnLst>
+                                </p:cTn>
+                              </p:par>
+                            </p:childTnLst>
+                          </p:cTn>
+                        </p:par>
+                      </p:childTnLst>
+                    </p:cTn>
+                  </p:par>
+                  <p:par>
+                    <p:cTn id="11" fill="hold">
+                      <p:stCondLst>
+                        <p:cond delay="indefinite"/>
+                      </p:stCondLst>
+                      <p:childTnLst>
+                        <p:par>
+                          <p:cTn id="12" fill="hold">
+                            <p:stCondLst>
+                              <p:cond delay="0"/>
+                            </p:stCondLst>
+                            <p:childTnLst>
+                              <p:par>
+                                <p:cTn id="13" presetID="1" presetClass="entr" presetSubtype="0" fill="hold" nodeType="clickEffect">
+                                  <p:stCondLst>
+                                    <p:cond delay="0"/>
+                                  </p:stCondLst>
+                                  <p:childTnLst>
+                                    <p:set>
+                                      <p:cBhvr>
+                                        <p:cTn id="14" dur="1" fill="hold">
+                                          <p:stCondLst>
+                                            <p:cond delay="0"/>
+                                          </p:stCondLst>
+                                        </p:cTn>
+                                        <p:tgtEl>
+                                          <p:spTgt spid="15"/>
+                                        </p:tgtEl>
+                                        <p:attrNameLst>
+                                          <p:attrName>style.visibility</p:attrName>
+                                        </p:attrNameLst>
+                                      </p:cBhvr>
+                                      <p:to>
+                                        <p:strVal val="visible"/>
+                                      </p:to>
+                                    </p:set>
+                                  </p:childTnLst>
+                                </p:cTn>
+                              </p:par>
+                              <p:par>
+                                <p:cTn id="15" presetID="1" presetClass="entr" presetSubtype="0" fill="hold" grpId="0" nodeType="withEffect">
+                                  <p:stCondLst>
+                                    <p:cond delay="0"/>
+                                  </p:stCondLst>
+                                  <p:childTnLst>
+                                    <p:set>
+                                      <p:cBhvr>
+                                        <p:cTn id="16" dur="1" fill="hold">
+                                          <p:stCondLst>
+                                            <p:cond delay="0"/>
+                                          </p:stCondLst>
+                                        </p:cTn>
+                                        <p:tgtEl>
+                                          <p:spTgt spid="14"/>
+                                        </p:tgtEl>
+                                        <p:attrNameLst>
+                                          <p:attrName>style.visibility</p:attrName>
+                                        </p:attrNameLst>
+                                      </p:cBhvr>
+                                      <p:to>
+                                        <p:strVal val="visible"/>
+                                      </p:to>
+                                    </p:set>
+                                  </p:childTnLst>
+                                </p:cTn>
+                              </p:par>
+                            </p:childTnLst>
+                          </p:cTn>
+                        </p:par>
+                      </p:childTnLst>
+                    </p:cTn>
+                  </p:par>
+                  <p:par>
+                    <p:cTn id="17" fill="hold">
+                      <p:stCondLst>
+                        <p:cond delay="indefinite"/>
+                      </p:stCondLst>
+                      <p:childTnLst>
+                        <p:par>
+                          <p:cTn id="18" fill="hold">
+                            <p:stCondLst>
+                              <p:cond delay="0"/>
+                            </p:stCondLst>
+                            <p:childTnLst>
+                              <p:par>
+                                <p:cTn id="19" presetID="1" presetClass="entr" presetSubtype="0" fill="hold" nodeType="clickEffect">
+                                  <p:stCondLst>
+                                    <p:cond delay="0"/>
+                                  </p:stCondLst>
+                                  <p:childTnLst>
+                                    <p:set>
+                                      <p:cBhvr>
+                                        <p:cTn id="20" dur="1" fill="hold">
+                                          <p:stCondLst>
+                                            <p:cond delay="0"/>
+                                          </p:stCondLst>
+                                        </p:cTn>
+                                        <p:tgtEl>
+                                          <p:spTgt spid="31"/>
+                                        </p:tgtEl>
+                                        <p:attrNameLst>
+                                          <p:attrName>style.visibility</p:attrName>
+                                        </p:attrNameLst>
+                                      </p:cBhvr>
+                                      <p:to>
+                                        <p:strVal val="visible"/>
+                                      </p:to>
+                                    </p:set>
+                                  </p:childTnLst>
+                                </p:cTn>
+                              </p:par>
+                              <p:par>
+                                <p:cTn id="21" presetID="1" presetClass="entr" presetSubtype="0" fill="hold" nodeType="withEffect">
+                                  <p:stCondLst>
+                                    <p:cond delay="0"/>
+                                  </p:stCondLst>
+                                  <p:childTnLst>
+                                    <p:set>
+                                      <p:cBhvr>
+                                        <p:cTn id="22" dur="1" fill="hold">
+                                          <p:stCondLst>
+                                            <p:cond delay="0"/>
+                                          </p:stCondLst>
+                                        </p:cTn>
+                                        <p:tgtEl>
+                                          <p:spTgt spid="1028"/>
+                                        </p:tgtEl>
+                                        <p:attrNameLst>
+                                          <p:attrName>style.visibility</p:attrName>
+                                        </p:attrNameLst>
+                                      </p:cBhvr>
+                                      <p:to>
+                                        <p:strVal val="visible"/>
+                                      </p:to>
+                                    </p:set>
+                                  </p:childTnLst>
+                                </p:cTn>
+                              </p:par>
+                              <p:par>
+                                <p:cTn id="23" presetID="1" presetClass="entr" presetSubtype="0" fill="hold" grpId="0" nodeType="withEffect">
+                                  <p:stCondLst>
+                                    <p:cond delay="0"/>
+                                  </p:stCondLst>
+                                  <p:childTnLst>
+                                    <p:set>
+                                      <p:cBhvr>
+                                        <p:cTn id="24" dur="1" fill="hold">
+                                          <p:stCondLst>
+                                            <p:cond delay="0"/>
+                                          </p:stCondLst>
+                                        </p:cTn>
+                                        <p:tgtEl>
+                                          <p:spTgt spid="35"/>
+                                        </p:tgtEl>
+                                        <p:attrNameLst>
+                                          <p:attrName>style.visibility</p:attrName>
+                                        </p:attrNameLst>
+                                      </p:cBhvr>
+                                      <p:to>
+                                        <p:strVal val="visible"/>
+                                      </p:to>
+                                    </p:set>
+                                  </p:childTnLst>
+                                </p:cTn>
+                              </p:par>
+                            </p:childTnLst>
+                          </p:cTn>
+                        </p:par>
+                      </p:childTnLst>
+                    </p:cTn>
+                  </p:par>
+                  <p:par>
+                    <p:cTn id="25" fill="hold">
+                      <p:stCondLst>
+                        <p:cond delay="indefinite"/>
+                      </p:stCondLst>
+                      <p:childTnLst>
+                        <p:par>
+                          <p:cTn id="26" fill="hold">
+                            <p:stCondLst>
+                              <p:cond delay="0"/>
+                            </p:stCondLst>
+                            <p:childTnLst>
+                              <p:par>
+                                <p:cTn id="27" presetID="1" presetClass="entr" presetSubtype="0" fill="hold" nodeType="clickEffect">
+                                  <p:stCondLst>
+                                    <p:cond delay="0"/>
+                                  </p:stCondLst>
+                                  <p:childTnLst>
+                                    <p:set>
+                                      <p:cBhvr>
+                                        <p:cTn id="28" dur="1" fill="hold">
+                                          <p:stCondLst>
+                                            <p:cond delay="0"/>
+                                          </p:stCondLst>
+                                        </p:cTn>
+                                        <p:tgtEl>
+                                          <p:spTgt spid="5"/>
+                                        </p:tgtEl>
+                                        <p:attrNameLst>
+                                          <p:attrName>style.visibility</p:attrName>
+                                        </p:attrNameLst>
+                                      </p:cBhvr>
+                                      <p:to>
+                                        <p:strVal val="visible"/>
+                                      </p:to>
+                                    </p:set>
+                                  </p:childTnLst>
+                                </p:cTn>
+                              </p:par>
+                            </p:childTnLst>
+                          </p:cTn>
+                        </p:par>
+                      </p:childTnLst>
+                    </p:cTn>
+                  </p:par>
+                  <p:par>
+                    <p:cTn id="29" fill="hold">
+                      <p:stCondLst>
+                        <p:cond delay="indefinite"/>
+                      </p:stCondLst>
+                      <p:childTnLst>
+                        <p:par>
+                          <p:cTn id="30" fill="hold">
+                            <p:stCondLst>
+                              <p:cond delay="0"/>
+                            </p:stCondLst>
+                            <p:childTnLst>
+                              <p:par>
+                                <p:cTn id="31" presetID="1" presetClass="exit" presetSubtype="0" fill="hold" nodeType="clickEffect">
+                                  <p:stCondLst>
+                                    <p:cond delay="0"/>
+                                  </p:stCondLst>
+                                  <p:childTnLst>
+                                    <p:set>
+                                      <p:cBhvr>
+                                        <p:cTn id="32" dur="1" fill="hold">
+                                          <p:stCondLst>
+                                            <p:cond delay="0"/>
+                                          </p:stCondLst>
+                                        </p:cTn>
+                                        <p:tgtEl>
+                                          <p:spTgt spid="5"/>
+                                        </p:tgtEl>
+                                        <p:attrNameLst>
+                                          <p:attrName>style.visibility</p:attrName>
+                                        </p:attrNameLst>
+                                      </p:cBhvr>
+                                      <p:to>
+                                        <p:strVal val="hidden"/>
+                                      </p:to>
+                                    </p:set>
+                                  </p:childTnLst>
+                                </p:cTn>
+                              </p:par>
+                            </p:childTnLst>
+                          </p:cTn>
+                        </p:par>
+                      </p:childTnLst>
+                    </p:cTn>
+                  </p:par>
+                  <p:par>
+                    <p:cTn id="33" fill="hold">
+                      <p:stCondLst>
+                        <p:cond delay="indefinite"/>
+                      </p:stCondLst>
+                      <p:childTnLst>
+                        <p:par>
+                          <p:cTn id="34" fill="hold">
+                            <p:stCondLst>
+                              <p:cond delay="0"/>
+                            </p:stCondLst>
+                            <p:childTnLst>
+                              <p:par>
+                                <p:cTn id="35" presetID="1" presetClass="entr" presetSubtype="0" fill="hold" nodeType="clickEffect">
+                                  <p:stCondLst>
+                                    <p:cond delay="0"/>
+                                  </p:stCondLst>
+                                  <p:childTnLst>
+                                    <p:set>
+                                      <p:cBhvr>
+                                        <p:cTn id="36" dur="1" fill="hold">
+                                          <p:stCondLst>
+                                            <p:cond delay="0"/>
+                                          </p:stCondLst>
+                                        </p:cTn>
+                                        <p:tgtEl>
+                                          <p:spTgt spid="1038"/>
+                                        </p:tgtEl>
+                                        <p:attrNameLst>
+                                          <p:attrName>style.visibility</p:attrName>
+                                        </p:attrNameLst>
+                                      </p:cBhvr>
+                                      <p:to>
+                                        <p:strVal val="visible"/>
+                                      </p:to>
+                                    </p:set>
+                                  </p:childTnLst>
+                                </p:cTn>
+                              </p:par>
+                              <p:par>
+                                <p:cTn id="37" presetID="1" presetClass="entr" presetSubtype="0" fill="hold" nodeType="withEffect">
+                                  <p:stCondLst>
+                                    <p:cond delay="0"/>
+                                  </p:stCondLst>
+                                  <p:childTnLst>
+                                    <p:set>
+                                      <p:cBhvr>
+                                        <p:cTn id="38" dur="1" fill="hold">
+                                          <p:stCondLst>
+                                            <p:cond delay="0"/>
+                                          </p:stCondLst>
+                                        </p:cTn>
+                                        <p:tgtEl>
+                                          <p:spTgt spid="59"/>
+                                        </p:tgtEl>
+                                        <p:attrNameLst>
+                                          <p:attrName>style.visibility</p:attrName>
+                                        </p:attrNameLst>
+                                      </p:cBhvr>
+                                      <p:to>
+                                        <p:strVal val="visible"/>
+                                      </p:to>
+                                    </p:set>
+                                  </p:childTnLst>
+                                </p:cTn>
+                              </p:par>
+                              <p:par>
+                                <p:cTn id="39" presetID="1" presetClass="entr" presetSubtype="0" fill="hold" grpId="0" nodeType="withEffect">
+                                  <p:stCondLst>
+                                    <p:cond delay="0"/>
+                                  </p:stCondLst>
+                                  <p:childTnLst>
+                                    <p:set>
+                                      <p:cBhvr>
+                                        <p:cTn id="40" dur="1" fill="hold">
+                                          <p:stCondLst>
+                                            <p:cond delay="0"/>
+                                          </p:stCondLst>
+                                        </p:cTn>
+                                        <p:tgtEl>
+                                          <p:spTgt spid="62"/>
+                                        </p:tgtEl>
+                                        <p:attrNameLst>
+                                          <p:attrName>style.visibility</p:attrName>
+                                        </p:attrNameLst>
+                                      </p:cBhvr>
+                                      <p:to>
+                                        <p:strVal val="visible"/>
+                                      </p:to>
+                                    </p:set>
+                                  </p:childTnLst>
+                                </p:cTn>
+                              </p:par>
+                            </p:childTnLst>
+                          </p:cTn>
+                        </p:par>
+                      </p:childTnLst>
+                    </p:cTn>
+                  </p:par>
+                  <p:par>
+                    <p:cTn id="41" fill="hold">
+                      <p:stCondLst>
+                        <p:cond delay="indefinite"/>
+                      </p:stCondLst>
+                      <p:childTnLst>
+                        <p:par>
+                          <p:cTn id="42" fill="hold">
+                            <p:stCondLst>
+                              <p:cond delay="0"/>
+                            </p:stCondLst>
+                            <p:childTnLst>
+                              <p:par>
+                                <p:cTn id="43" presetID="1" presetClass="entr" presetSubtype="0" fill="hold" nodeType="clickEffect">
+                                  <p:stCondLst>
+                                    <p:cond delay="0"/>
+                                  </p:stCondLst>
+                                  <p:childTnLst>
+                                    <p:set>
+                                      <p:cBhvr>
+                                        <p:cTn id="44" dur="1" fill="hold">
+                                          <p:stCondLst>
+                                            <p:cond delay="0"/>
+                                          </p:stCondLst>
+                                        </p:cTn>
+                                        <p:tgtEl>
+                                          <p:spTgt spid="1030"/>
+                                        </p:tgtEl>
+                                        <p:attrNameLst>
+                                          <p:attrName>style.visibility</p:attrName>
+                                        </p:attrNameLst>
+                                      </p:cBhvr>
+                                      <p:to>
+                                        <p:strVal val="visible"/>
+                                      </p:to>
+                                    </p:set>
+                                  </p:childTnLst>
+                                </p:cTn>
+                              </p:par>
+                              <p:par>
+                                <p:cTn id="45" presetID="1" presetClass="entr" presetSubtype="0" fill="hold" grpId="0" nodeType="withEffect">
+                                  <p:stCondLst>
+                                    <p:cond delay="0"/>
+                                  </p:stCondLst>
+                                  <p:childTnLst>
+                                    <p:set>
+                                      <p:cBhvr>
+                                        <p:cTn id="46" dur="1" fill="hold">
+                                          <p:stCondLst>
+                                            <p:cond delay="0"/>
+                                          </p:stCondLst>
+                                        </p:cTn>
+                                        <p:tgtEl>
+                                          <p:spTgt spid="37"/>
+                                        </p:tgtEl>
+                                        <p:attrNameLst>
+                                          <p:attrName>style.visibility</p:attrName>
+                                        </p:attrNameLst>
+                                      </p:cBhvr>
+                                      <p:to>
+                                        <p:strVal val="visible"/>
+                                      </p:to>
+                                    </p:set>
+                                  </p:childTnLst>
+                                </p:cTn>
+                              </p:par>
+                              <p:par>
+                                <p:cTn id="47" presetID="1" presetClass="entr" presetSubtype="0" fill="hold" nodeType="withEffect">
+                                  <p:stCondLst>
+                                    <p:cond delay="0"/>
+                                  </p:stCondLst>
+                                  <p:childTnLst>
+                                    <p:set>
+                                      <p:cBhvr>
+                                        <p:cTn id="48" dur="1" fill="hold">
+                                          <p:stCondLst>
+                                            <p:cond delay="0"/>
+                                          </p:stCondLst>
+                                        </p:cTn>
+                                        <p:tgtEl>
+                                          <p:spTgt spid="38"/>
+                                        </p:tgtEl>
+                                        <p:attrNameLst>
+                                          <p:attrName>style.visibility</p:attrName>
+                                        </p:attrNameLst>
+                                      </p:cBhvr>
+                                      <p:to>
+                                        <p:strVal val="visible"/>
+                                      </p:to>
+                                    </p:set>
+                                  </p:childTnLst>
+                                </p:cTn>
+                              </p:par>
+                              <p:par>
+                                <p:cTn id="49" presetID="1" presetClass="entr" presetSubtype="0" fill="hold" nodeType="withEffect">
+                                  <p:stCondLst>
+                                    <p:cond delay="0"/>
+                                  </p:stCondLst>
+                                  <p:childTnLst>
+                                    <p:set>
+                                      <p:cBhvr>
+                                        <p:cTn id="50" dur="1" fill="hold">
+                                          <p:stCondLst>
+                                            <p:cond delay="0"/>
+                                          </p:stCondLst>
+                                        </p:cTn>
+                                        <p:tgtEl>
+                                          <p:spTgt spid="1032"/>
+                                        </p:tgtEl>
+                                        <p:attrNameLst>
+                                          <p:attrName>style.visibility</p:attrName>
+                                        </p:attrNameLst>
+                                      </p:cBhvr>
+                                      <p:to>
+                                        <p:strVal val="visible"/>
+                                      </p:to>
+                                    </p:set>
+                                  </p:childTnLst>
+                                </p:cTn>
+                              </p:par>
+                            </p:childTnLst>
+                          </p:cTn>
+                        </p:par>
+                        <p:par>
+                          <p:cTn id="51" fill="hold">
+                            <p:stCondLst>
+                              <p:cond delay="0"/>
+                            </p:stCondLst>
+                            <p:childTnLst>
+                              <p:par>
+                                <p:cTn id="52" presetID="35" presetClass="path" presetSubtype="0" accel="50000" decel="50000" fill="hold" nodeType="afterEffect">
+                                  <p:stCondLst>
+                                    <p:cond delay="0"/>
+                                  </p:stCondLst>
+                                  <p:childTnLst>
+                                    <p:animMotion origin="layout" path="M -3.84531E-6 -2.5E-6 L -0.0917 0.00157 " pathEditMode="fixed" rAng="0" ptsTypes="AA">
+                                      <p:cBhvr>
+                                        <p:cTn id="53" dur="2000" fill="hold"/>
+                                        <p:tgtEl>
+                                          <p:spTgt spid="1032"/>
+                                        </p:tgtEl>
+                                        <p:attrNameLst>
+                                          <p:attrName>ppt_x</p:attrName>
+                                          <p:attrName>ppt_y</p:attrName>
+                                        </p:attrNameLst>
+                                      </p:cBhvr>
+                                      <p:rCtr x="-4585" y="78"/>
+                                    </p:animMotion>
+                                  </p:childTnLst>
+                                </p:cTn>
+                              </p:par>
+                            </p:childTnLst>
+                          </p:cTn>
+                        </p:par>
+                      </p:childTnLst>
+                    </p:cTn>
+                  </p:par>
+                  <p:par>
+                    <p:cTn id="54" fill="hold">
+                      <p:stCondLst>
+                        <p:cond delay="indefinite"/>
+                      </p:stCondLst>
+                      <p:childTnLst>
+                        <p:par>
+                          <p:cTn id="55" fill="hold">
+                            <p:stCondLst>
+                              <p:cond delay="0"/>
+                            </p:stCondLst>
+                            <p:childTnLst>
+                              <p:par>
+                                <p:cTn id="56" presetID="1" presetClass="entr" presetSubtype="0" fill="hold" nodeType="clickEffect">
+                                  <p:stCondLst>
+                                    <p:cond delay="0"/>
+                                  </p:stCondLst>
+                                  <p:childTnLst>
+                                    <p:set>
+                                      <p:cBhvr>
+                                        <p:cTn id="57" dur="1" fill="hold">
+                                          <p:stCondLst>
+                                            <p:cond delay="0"/>
+                                          </p:stCondLst>
+                                        </p:cTn>
+                                        <p:tgtEl>
+                                          <p:spTgt spid="5"/>
+                                        </p:tgtEl>
+                                        <p:attrNameLst>
+                                          <p:attrName>style.visibility</p:attrName>
+                                        </p:attrNameLst>
+                                      </p:cBhvr>
+                                      <p:to>
+                                        <p:strVal val="visible"/>
+                                      </p:to>
+                                    </p:set>
+                                  </p:childTnLst>
+                                </p:cTn>
+                              </p:par>
+                            </p:childTnLst>
+                          </p:cTn>
+                        </p:par>
+                      </p:childTnLst>
+                    </p:cTn>
+                  </p:par>
+                  <p:par>
+                    <p:cTn id="58" fill="hold">
+                      <p:stCondLst>
+                        <p:cond delay="indefinite"/>
+                      </p:stCondLst>
+                      <p:childTnLst>
+                        <p:par>
+                          <p:cTn id="59" fill="hold">
+                            <p:stCondLst>
+                              <p:cond delay="0"/>
+                            </p:stCondLst>
+                            <p:childTnLst>
+                              <p:par>
+                                <p:cTn id="60" presetID="1" presetClass="exit" presetSubtype="0" fill="hold" nodeType="clickEffect">
+                                  <p:stCondLst>
+                                    <p:cond delay="0"/>
+                                  </p:stCondLst>
+                                  <p:childTnLst>
+                                    <p:set>
+                                      <p:cBhvr>
+                                        <p:cTn id="61" dur="1" fill="hold">
+                                          <p:stCondLst>
+                                            <p:cond delay="0"/>
+                                          </p:stCondLst>
+                                        </p:cTn>
+                                        <p:tgtEl>
+                                          <p:spTgt spid="5"/>
+                                        </p:tgtEl>
+                                        <p:attrNameLst>
+                                          <p:attrName>style.visibility</p:attrName>
+                                        </p:attrNameLst>
+                                      </p:cBhvr>
+                                      <p:to>
+                                        <p:strVal val="hidden"/>
+                                      </p:to>
+                                    </p:set>
+                                  </p:childTnLst>
+                                </p:cTn>
+                              </p:par>
+                            </p:childTnLst>
+                          </p:cTn>
+                        </p:par>
+                      </p:childTnLst>
+                    </p:cTn>
+                  </p:par>
+                  <p:par>
+                    <p:cTn id="62" fill="hold">
+                      <p:stCondLst>
+                        <p:cond delay="indefinite"/>
+                      </p:stCondLst>
+                      <p:childTnLst>
+                        <p:par>
+                          <p:cTn id="63" fill="hold">
+                            <p:stCondLst>
+                              <p:cond delay="0"/>
+                            </p:stCondLst>
+                            <p:childTnLst>
+                              <p:par>
+                                <p:cTn id="64" presetID="1" presetClass="entr" presetSubtype="0" fill="hold" nodeType="clickEffect">
+                                  <p:stCondLst>
+                                    <p:cond delay="0"/>
+                                  </p:stCondLst>
+                                  <p:childTnLst>
+                                    <p:set>
+                                      <p:cBhvr>
+                                        <p:cTn id="65" dur="1" fill="hold">
+                                          <p:stCondLst>
+                                            <p:cond delay="0"/>
+                                          </p:stCondLst>
+                                        </p:cTn>
+                                        <p:tgtEl>
+                                          <p:spTgt spid="1051"/>
+                                        </p:tgtEl>
+                                        <p:attrNameLst>
+                                          <p:attrName>style.visibility</p:attrName>
+                                        </p:attrNameLst>
+                                      </p:cBhvr>
+                                      <p:to>
+                                        <p:strVal val="visible"/>
+                                      </p:to>
+                                    </p:set>
+                                  </p:childTnLst>
+                                </p:cTn>
+                              </p:par>
+                              <p:par>
+                                <p:cTn id="66" presetID="1" presetClass="entr" presetSubtype="0" fill="hold" grpId="0" nodeType="withEffect">
+                                  <p:stCondLst>
+                                    <p:cond delay="0"/>
+                                  </p:stCondLst>
+                                  <p:childTnLst>
+                                    <p:set>
+                                      <p:cBhvr>
+                                        <p:cTn id="67" dur="1" fill="hold">
+                                          <p:stCondLst>
+                                            <p:cond delay="0"/>
+                                          </p:stCondLst>
+                                        </p:cTn>
+                                        <p:tgtEl>
+                                          <p:spTgt spid="66"/>
+                                        </p:tgtEl>
+                                        <p:attrNameLst>
+                                          <p:attrName>style.visibility</p:attrName>
+                                        </p:attrNameLst>
+                                      </p:cBhvr>
+                                      <p:to>
+                                        <p:strVal val="visible"/>
+                                      </p:to>
+                                    </p:set>
+                                  </p:childTnLst>
+                                </p:cTn>
+                              </p:par>
+                              <p:par>
+                                <p:cTn id="68" presetID="1" presetClass="entr" presetSubtype="0" fill="hold" nodeType="withEffect">
+                                  <p:stCondLst>
+                                    <p:cond delay="0"/>
+                                  </p:stCondLst>
+                                  <p:childTnLst>
+                                    <p:set>
+                                      <p:cBhvr>
+                                        <p:cTn id="69" dur="1" fill="hold">
+                                          <p:stCondLst>
+                                            <p:cond delay="0"/>
+                                          </p:stCondLst>
+                                        </p:cTn>
+                                        <p:tgtEl>
+                                          <p:spTgt spid="67"/>
+                                        </p:tgtEl>
+                                        <p:attrNameLst>
+                                          <p:attrName>style.visibility</p:attrName>
+                                        </p:attrNameLst>
+                                      </p:cBhvr>
+                                      <p:to>
+                                        <p:strVal val="visible"/>
+                                      </p:to>
+                                    </p:set>
+                                  </p:childTnLst>
+                                </p:cTn>
+                              </p:par>
+                            </p:childTnLst>
+                          </p:cTn>
+                        </p:par>
+                      </p:childTnLst>
+                    </p:cTn>
+                  </p:par>
+                  <p:par>
+                    <p:cTn id="70" fill="hold">
+                      <p:stCondLst>
+                        <p:cond delay="indefinite"/>
+                      </p:stCondLst>
+                      <p:childTnLst>
+                        <p:par>
+                          <p:cTn id="71" fill="hold">
+                            <p:stCondLst>
+                              <p:cond delay="0"/>
+                            </p:stCondLst>
+                            <p:childTnLst>
+                              <p:par>
+                                <p:cTn id="72" presetID="1" presetClass="entr" presetSubtype="0" fill="hold" nodeType="clickEffect">
+                                  <p:stCondLst>
+                                    <p:cond delay="0"/>
+                                  </p:stCondLst>
+                                  <p:childTnLst>
+                                    <p:set>
+                                      <p:cBhvr>
+                                        <p:cTn id="73" dur="1" fill="hold">
+                                          <p:stCondLst>
+                                            <p:cond delay="0"/>
+                                          </p:stCondLst>
+                                        </p:cTn>
+                                        <p:tgtEl>
+                                          <p:spTgt spid="1055"/>
+                                        </p:tgtEl>
+                                        <p:attrNameLst>
+                                          <p:attrName>style.visibility</p:attrName>
+                                        </p:attrNameLst>
+                                      </p:cBhvr>
+                                      <p:to>
+                                        <p:strVal val="visible"/>
+                                      </p:to>
+                                    </p:set>
+                                  </p:childTnLst>
+                                </p:cTn>
+                              </p:par>
+                              <p:par>
+                                <p:cTn id="74" presetID="1" presetClass="entr" presetSubtype="0" fill="hold" grpId="0" nodeType="withEffect">
+                                  <p:stCondLst>
+                                    <p:cond delay="0"/>
+                                  </p:stCondLst>
+                                  <p:childTnLst>
+                                    <p:set>
+                                      <p:cBhvr>
+                                        <p:cTn id="75" dur="1" fill="hold">
+                                          <p:stCondLst>
+                                            <p:cond delay="0"/>
+                                          </p:stCondLst>
+                                        </p:cTn>
+                                        <p:tgtEl>
+                                          <p:spTgt spid="72"/>
+                                        </p:tgtEl>
+                                        <p:attrNameLst>
+                                          <p:attrName>style.visibility</p:attrName>
+                                        </p:attrNameLst>
+                                      </p:cBhvr>
+                                      <p:to>
+                                        <p:strVal val="visible"/>
+                                      </p:to>
+                                    </p:set>
+                                  </p:childTnLst>
+                                </p:cTn>
+                              </p:par>
+                              <p:par>
+                                <p:cTn id="76" presetID="1" presetClass="entr" presetSubtype="0" fill="hold" nodeType="withEffect">
+                                  <p:stCondLst>
+                                    <p:cond delay="0"/>
+                                  </p:stCondLst>
+                                  <p:childTnLst>
+                                    <p:set>
+                                      <p:cBhvr>
+                                        <p:cTn id="77" dur="1" fill="hold">
+                                          <p:stCondLst>
+                                            <p:cond delay="0"/>
+                                          </p:stCondLst>
+                                        </p:cTn>
+                                        <p:tgtEl>
+                                          <p:spTgt spid="73"/>
+                                        </p:tgtEl>
+                                        <p:attrNameLst>
+                                          <p:attrName>style.visibility</p:attrName>
+                                        </p:attrNameLst>
+                                      </p:cBhvr>
+                                      <p:to>
+                                        <p:strVal val="visible"/>
+                                      </p:to>
+                                    </p:set>
+                                  </p:childTnLst>
+                                </p:cTn>
+                              </p:par>
+                            </p:childTnLst>
+                          </p:cTn>
+                        </p:par>
+                      </p:childTnLst>
+                    </p:cTn>
+                  </p:par>
+                  <p:par>
+                    <p:cTn id="78" fill="hold">
+                      <p:stCondLst>
+                        <p:cond delay="indefinite"/>
+                      </p:stCondLst>
+                      <p:childTnLst>
+                        <p:par>
+                          <p:cTn id="79" fill="hold">
+                            <p:stCondLst>
+                              <p:cond delay="0"/>
+                            </p:stCondLst>
+                            <p:childTnLst>
+                              <p:par>
+                                <p:cTn id="80" presetID="1" presetClass="entr" presetSubtype="0" fill="hold" nodeType="clickEffect">
+                                  <p:stCondLst>
+                                    <p:cond delay="0"/>
+                                  </p:stCondLst>
+                                  <p:childTnLst>
+                                    <p:set>
+                                      <p:cBhvr>
+                                        <p:cTn id="81" dur="1" fill="hold">
+                                          <p:stCondLst>
+                                            <p:cond delay="0"/>
+                                          </p:stCondLst>
+                                        </p:cTn>
+                                        <p:tgtEl>
+                                          <p:spTgt spid="5"/>
+                                        </p:tgtEl>
+                                        <p:attrNameLst>
+                                          <p:attrName>style.visibility</p:attrName>
+                                        </p:attrNameLst>
+                                      </p:cBhvr>
+                                      <p:to>
+                                        <p:strVal val="visible"/>
+                                      </p:to>
+                                    </p:set>
+                                  </p:childTnLst>
+                                </p:cTn>
+                              </p:par>
+                            </p:childTnLst>
+                          </p:cTn>
+                        </p:par>
+                      </p:childTnLst>
+                    </p:cTn>
+                  </p:par>
+                </p:childTnLst>
+              </p:cTn>
+              <p:prevCondLst>
+                <p:cond evt="onPrev" delay="0">
+                  <p:tgtEl>
+                    <p:sldTgt/>
+                  </p:tgtEl>
+                </p:cond>
+              </p:prevCondLst>
+              <p:nextCondLst>
+                <p:cond evt="onNext" delay="0">
+                  <p:tgtEl>
+                    <p:sldTgt/>
+                  </p:tgtEl>
+                </p:cond>
+              </p:nextCondLst>
+            </p:seq>
+          </p:childTnLst>
+        </p:cTn>
+      </p:par>
+    </p:tnLst>
+    <p:bldLst>
+      <p:bldP spid="14" grpId="0" animBg="1"/>
+      <p:bldP spid="1024" grpId="0" animBg="1"/>
+      <p:bldP spid="35" grpId="0" animBg="1"/>
+      <p:bldP spid="37" grpId="0" animBg="1"/>
+      <p:bldP spid="62" grpId="0" animBg="1"/>
+      <p:bldP spid="66" grpId="0" animBg="1"/>
+      <p:bldP spid="72" grpId="0" animBg="1"/>
+    </p:bldLst>
+  </p:timing>
 </p:sld>
 </file>
 
-<file path=ppt/slides/slide5.xml><?xml version="1.0" encoding="utf-8"?>
+<file path=ppt/slides/slide4.xml><?xml version="1.0" encoding="utf-8"?>
 <p:sld xmlns:a="http://schemas.openxmlformats.org/drawingml/2006/main" xmlns:r="http://schemas.openxmlformats.org/officeDocument/2006/relationships" xmlns:p="http://schemas.openxmlformats.org/presentationml/2006/main">
   <p:cSld>
     <p:spTree>
@@ -6364,7 +8169,7 @@
 </p:sld>
 </file>
 
-<file path=ppt/slides/slide6.xml><?xml version="1.0" encoding="utf-8"?>
+<file path=ppt/slides/slide5.xml><?xml version="1.0" encoding="utf-8"?>
 <p:sld xmlns:a="http://schemas.openxmlformats.org/drawingml/2006/main" xmlns:r="http://schemas.openxmlformats.org/officeDocument/2006/relationships" xmlns:p="http://schemas.openxmlformats.org/presentationml/2006/main">
   <p:cSld>
     <p:spTree>
@@ -6424,7 +8229,7 @@
 </p:sld>
 </file>
 
-<file path=ppt/slides/slide7.xml><?xml version="1.0" encoding="utf-8"?>
+<file path=ppt/slides/slide6.xml><?xml version="1.0" encoding="utf-8"?>
 <p:sld xmlns:a="http://schemas.openxmlformats.org/drawingml/2006/main" xmlns:r="http://schemas.openxmlformats.org/officeDocument/2006/relationships" xmlns:p="http://schemas.openxmlformats.org/presentationml/2006/main">
   <p:cSld>
     <p:spTree>
@@ -6590,13 +8395,8 @@
             </a:pPr>
             <a:r>
               <a:rPr lang="en-US" dirty="0"/>
-              <a:t>Sequential </a:t>
-            </a:r>
-            <a:r>
-              <a:rPr lang="en-US"/>
-              <a:t>pattern mining</a:t>
-            </a:r>
-            <a:endParaRPr lang="en-US" dirty="0"/>
+              <a:t>Sequential pattern mining</a:t>
+            </a:r>
           </a:p>
           <a:p>
             <a:pPr marL="285750" indent="-285750">
@@ -6623,7 +8423,7 @@
 </p:sld>
 </file>
 
-<file path=ppt/slides/slide8.xml><?xml version="1.0" encoding="utf-8"?>
+<file path=ppt/slides/slide7.xml><?xml version="1.0" encoding="utf-8"?>
 <p:sld xmlns:a="http://schemas.openxmlformats.org/drawingml/2006/main" xmlns:r="http://schemas.openxmlformats.org/officeDocument/2006/relationships" xmlns:p="http://schemas.openxmlformats.org/presentationml/2006/main">
   <p:cSld>
     <p:spTree>
@@ -6683,7 +8483,7 @@
 </p:sld>
 </file>
 
-<file path=ppt/slides/slide9.xml><?xml version="1.0" encoding="utf-8"?>
+<file path=ppt/slides/slide8.xml><?xml version="1.0" encoding="utf-8"?>
 <p:sld xmlns:a="http://schemas.openxmlformats.org/drawingml/2006/main" xmlns:r="http://schemas.openxmlformats.org/officeDocument/2006/relationships" xmlns:p="http://schemas.openxmlformats.org/presentationml/2006/main">
   <p:cSld>
     <p:spTree>
@@ -6894,6 +8694,66 @@
     <p:extLst>
       <p:ext uri="{BB962C8B-B14F-4D97-AF65-F5344CB8AC3E}">
         <p14:creationId xmlns:p14="http://schemas.microsoft.com/office/powerpoint/2010/main" val="1718977333"/>
+      </p:ext>
+    </p:extLst>
+  </p:cSld>
+  <p:clrMapOvr>
+    <a:masterClrMapping/>
+  </p:clrMapOvr>
+</p:sld>
+</file>
+
+<file path=ppt/slides/slide9.xml><?xml version="1.0" encoding="utf-8"?>
+<p:sld xmlns:a="http://schemas.openxmlformats.org/drawingml/2006/main" xmlns:r="http://schemas.openxmlformats.org/officeDocument/2006/relationships" xmlns:p="http://schemas.openxmlformats.org/presentationml/2006/main">
+  <p:cSld>
+    <p:spTree>
+      <p:nvGrpSpPr>
+        <p:cNvPr id="1" name=""/>
+        <p:cNvGrpSpPr/>
+        <p:nvPr/>
+      </p:nvGrpSpPr>
+      <p:grpSpPr>
+        <a:xfrm>
+          <a:off x="0" y="0"/>
+          <a:ext cx="0" cy="0"/>
+          <a:chOff x="0" y="0"/>
+          <a:chExt cx="0" cy="0"/>
+        </a:xfrm>
+      </p:grpSpPr>
+      <p:pic>
+        <p:nvPicPr>
+          <p:cNvPr id="3" name="Picture 2">
+            <a:extLst>
+              <a:ext uri="{FF2B5EF4-FFF2-40B4-BE49-F238E27FC236}">
+                <a16:creationId xmlns:a16="http://schemas.microsoft.com/office/drawing/2014/main" id="{1529CC25-CB49-4B76-A6EE-CE8BDFB096D4}"/>
+              </a:ext>
+            </a:extLst>
+          </p:cNvPr>
+          <p:cNvPicPr>
+            <a:picLocks noChangeAspect="1"/>
+          </p:cNvPicPr>
+          <p:nvPr/>
+        </p:nvPicPr>
+        <p:blipFill>
+          <a:blip r:embed="rId3"/>
+          <a:stretch>
+            <a:fillRect/>
+          </a:stretch>
+        </p:blipFill>
+        <p:spPr>
+          <a:xfrm>
+            <a:off x="0" y="-127000"/>
+            <a:ext cx="12192000" cy="7112000"/>
+          </a:xfrm>
+          <a:prstGeom prst="rect">
+            <a:avLst/>
+          </a:prstGeom>
+        </p:spPr>
+      </p:pic>
+    </p:spTree>
+    <p:extLst>
+      <p:ext uri="{BB962C8B-B14F-4D97-AF65-F5344CB8AC3E}">
+        <p14:creationId xmlns:p14="http://schemas.microsoft.com/office/powerpoint/2010/main" val="4225224060"/>
       </p:ext>
     </p:extLst>
   </p:cSld>
